--- a/document/玛丽亚修改.pptx
+++ b/document/玛丽亚修改.pptx
@@ -9,6 +9,9 @@
     <p:sldId id="257" r:id="rId3"/>
     <p:sldId id="258" r:id="rId4"/>
     <p:sldId id="259" r:id="rId5"/>
+    <p:sldId id="260" r:id="rId6"/>
+    <p:sldId id="261" r:id="rId7"/>
+    <p:sldId id="262" r:id="rId8"/>
   </p:sldIdLst>
   <p:sldSz cx="12192000" cy="6858000"/>
   <p:notesSz cx="6858000" cy="9144000"/>
@@ -107,6 +110,11 @@
       </a:defRPr>
     </a:lvl9pPr>
   </p:defaultTextStyle>
+  <p:extLst>
+    <p:ext uri="{EFAFB233-063F-42B5-8137-9DF3F51BA10A}">
+      <p15:sldGuideLst xmlns:p15="http://schemas.microsoft.com/office/powerpoint/2012/main"/>
+    </p:ext>
+  </p:extLst>
 </p:presentation>
 </file>
 
@@ -132,7 +140,7 @@
           <p:cNvPr id="2" name="标题 1">
             <a:extLst>
               <a:ext uri="{FF2B5EF4-FFF2-40B4-BE49-F238E27FC236}">
-                <a16:creationId xmlns:a16="http://schemas.microsoft.com/office/drawing/2014/main" id="{CE46D5C5-07D1-469E-A480-FE82CED064C4}"/>
+                <a16:creationId xmlns:a16="http://schemas.microsoft.com/office/drawing/2014/main" id="{90CF51DE-5267-4F33-A06D-5B5BB913F826}"/>
               </a:ext>
             </a:extLst>
           </p:cNvPr>
@@ -169,7 +177,7 @@
           <p:cNvPr id="3" name="副标题 2">
             <a:extLst>
               <a:ext uri="{FF2B5EF4-FFF2-40B4-BE49-F238E27FC236}">
-                <a16:creationId xmlns:a16="http://schemas.microsoft.com/office/drawing/2014/main" id="{19719605-9C7E-409C-A809-71F15DE573C5}"/>
+                <a16:creationId xmlns:a16="http://schemas.microsoft.com/office/drawing/2014/main" id="{CF54D2CC-C233-490C-8D7A-CD9C7B3559FE}"/>
               </a:ext>
             </a:extLst>
           </p:cNvPr>
@@ -239,7 +247,7 @@
           <p:cNvPr id="4" name="日期占位符 3">
             <a:extLst>
               <a:ext uri="{FF2B5EF4-FFF2-40B4-BE49-F238E27FC236}">
-                <a16:creationId xmlns:a16="http://schemas.microsoft.com/office/drawing/2014/main" id="{542ED6A0-FD1D-4164-9EF0-F01C41F7B0F6}"/>
+                <a16:creationId xmlns:a16="http://schemas.microsoft.com/office/drawing/2014/main" id="{066D5505-FA6D-4D15-BC4D-454F6F92F685}"/>
               </a:ext>
             </a:extLst>
           </p:cNvPr>
@@ -255,9 +263,9 @@
           <a:bodyPr/>
           <a:lstStyle/>
           <a:p>
-            <a:fld id="{7B333CBC-1C83-4799-8242-74F0FC7F54B6}" type="datetimeFigureOut">
+            <a:fld id="{729BBD1A-1FE8-4DDD-BE3B-FFEAD7E5FAD1}" type="datetimeFigureOut">
               <a:rPr lang="zh-CN" altLang="en-US" smtClean="0"/>
-              <a:t>2019/10/11</a:t>
+              <a:t>2019/12/9</a:t>
             </a:fld>
             <a:endParaRPr lang="zh-CN" altLang="en-US"/>
           </a:p>
@@ -268,7 +276,7 @@
           <p:cNvPr id="5" name="页脚占位符 4">
             <a:extLst>
               <a:ext uri="{FF2B5EF4-FFF2-40B4-BE49-F238E27FC236}">
-                <a16:creationId xmlns:a16="http://schemas.microsoft.com/office/drawing/2014/main" id="{A911A69E-2460-4C40-AB62-0180A890CEB9}"/>
+                <a16:creationId xmlns:a16="http://schemas.microsoft.com/office/drawing/2014/main" id="{2CD892FB-E813-4895-8466-C0BF627A29CD}"/>
               </a:ext>
             </a:extLst>
           </p:cNvPr>
@@ -293,7 +301,7 @@
           <p:cNvPr id="6" name="灯片编号占位符 5">
             <a:extLst>
               <a:ext uri="{FF2B5EF4-FFF2-40B4-BE49-F238E27FC236}">
-                <a16:creationId xmlns:a16="http://schemas.microsoft.com/office/drawing/2014/main" id="{5F10FC6A-6E2A-4484-8311-A45004678CFE}"/>
+                <a16:creationId xmlns:a16="http://schemas.microsoft.com/office/drawing/2014/main" id="{5E63BEF4-D9F5-4C16-85E8-B46AB948A063}"/>
               </a:ext>
             </a:extLst>
           </p:cNvPr>
@@ -309,7 +317,7 @@
           <a:bodyPr/>
           <a:lstStyle/>
           <a:p>
-            <a:fld id="{565C37BC-E208-4F8D-A46B-E09E3FEBB574}" type="slidenum">
+            <a:fld id="{6101CF88-0313-4B6B-9070-7A73FC9210C0}" type="slidenum">
               <a:rPr lang="zh-CN" altLang="en-US" smtClean="0"/>
               <a:t>‹#›</a:t>
             </a:fld>
@@ -320,7 +328,7 @@
     </p:spTree>
     <p:extLst>
       <p:ext uri="{BB962C8B-B14F-4D97-AF65-F5344CB8AC3E}">
-        <p14:creationId xmlns:p14="http://schemas.microsoft.com/office/powerpoint/2010/main" val="2404927492"/>
+        <p14:creationId xmlns:p14="http://schemas.microsoft.com/office/powerpoint/2010/main" val="3237604802"/>
       </p:ext>
     </p:extLst>
   </p:cSld>
@@ -352,7 +360,7 @@
           <p:cNvPr id="2" name="标题 1">
             <a:extLst>
               <a:ext uri="{FF2B5EF4-FFF2-40B4-BE49-F238E27FC236}">
-                <a16:creationId xmlns:a16="http://schemas.microsoft.com/office/drawing/2014/main" id="{36B4A8D3-7181-40BD-9BA8-2072EA8F8755}"/>
+                <a16:creationId xmlns:a16="http://schemas.microsoft.com/office/drawing/2014/main" id="{E66B1592-8187-461C-A52F-1170D5150614}"/>
               </a:ext>
             </a:extLst>
           </p:cNvPr>
@@ -380,7 +388,7 @@
           <p:cNvPr id="3" name="竖排文字占位符 2">
             <a:extLst>
               <a:ext uri="{FF2B5EF4-FFF2-40B4-BE49-F238E27FC236}">
-                <a16:creationId xmlns:a16="http://schemas.microsoft.com/office/drawing/2014/main" id="{E626E0A7-F853-4F94-B570-7D445B99EC8C}"/>
+                <a16:creationId xmlns:a16="http://schemas.microsoft.com/office/drawing/2014/main" id="{6FD15B49-E1D5-46FC-B621-AC20626E25E2}"/>
               </a:ext>
             </a:extLst>
           </p:cNvPr>
@@ -437,7 +445,7 @@
           <p:cNvPr id="4" name="日期占位符 3">
             <a:extLst>
               <a:ext uri="{FF2B5EF4-FFF2-40B4-BE49-F238E27FC236}">
-                <a16:creationId xmlns:a16="http://schemas.microsoft.com/office/drawing/2014/main" id="{62F481C2-D373-4FED-AE75-B373C8B1FEEC}"/>
+                <a16:creationId xmlns:a16="http://schemas.microsoft.com/office/drawing/2014/main" id="{B6372695-EACC-46E3-A4E1-FEBFEBB9CC87}"/>
               </a:ext>
             </a:extLst>
           </p:cNvPr>
@@ -453,9 +461,9 @@
           <a:bodyPr/>
           <a:lstStyle/>
           <a:p>
-            <a:fld id="{7B333CBC-1C83-4799-8242-74F0FC7F54B6}" type="datetimeFigureOut">
+            <a:fld id="{729BBD1A-1FE8-4DDD-BE3B-FFEAD7E5FAD1}" type="datetimeFigureOut">
               <a:rPr lang="zh-CN" altLang="en-US" smtClean="0"/>
-              <a:t>2019/10/11</a:t>
+              <a:t>2019/12/9</a:t>
             </a:fld>
             <a:endParaRPr lang="zh-CN" altLang="en-US"/>
           </a:p>
@@ -466,7 +474,7 @@
           <p:cNvPr id="5" name="页脚占位符 4">
             <a:extLst>
               <a:ext uri="{FF2B5EF4-FFF2-40B4-BE49-F238E27FC236}">
-                <a16:creationId xmlns:a16="http://schemas.microsoft.com/office/drawing/2014/main" id="{CA6DCDA0-1121-4049-9192-A44A863DFCA6}"/>
+                <a16:creationId xmlns:a16="http://schemas.microsoft.com/office/drawing/2014/main" id="{6211A064-A95F-4AB4-ADBE-BD9324237B01}"/>
               </a:ext>
             </a:extLst>
           </p:cNvPr>
@@ -491,7 +499,7 @@
           <p:cNvPr id="6" name="灯片编号占位符 5">
             <a:extLst>
               <a:ext uri="{FF2B5EF4-FFF2-40B4-BE49-F238E27FC236}">
-                <a16:creationId xmlns:a16="http://schemas.microsoft.com/office/drawing/2014/main" id="{363D46CE-2785-470D-923A-E29FA3C85D14}"/>
+                <a16:creationId xmlns:a16="http://schemas.microsoft.com/office/drawing/2014/main" id="{F489363F-100A-4CF5-9DC0-129FDF4B0C75}"/>
               </a:ext>
             </a:extLst>
           </p:cNvPr>
@@ -507,7 +515,7 @@
           <a:bodyPr/>
           <a:lstStyle/>
           <a:p>
-            <a:fld id="{565C37BC-E208-4F8D-A46B-E09E3FEBB574}" type="slidenum">
+            <a:fld id="{6101CF88-0313-4B6B-9070-7A73FC9210C0}" type="slidenum">
               <a:rPr lang="zh-CN" altLang="en-US" smtClean="0"/>
               <a:t>‹#›</a:t>
             </a:fld>
@@ -518,7 +526,7 @@
     </p:spTree>
     <p:extLst>
       <p:ext uri="{BB962C8B-B14F-4D97-AF65-F5344CB8AC3E}">
-        <p14:creationId xmlns:p14="http://schemas.microsoft.com/office/powerpoint/2010/main" val="1985812448"/>
+        <p14:creationId xmlns:p14="http://schemas.microsoft.com/office/powerpoint/2010/main" val="1704061722"/>
       </p:ext>
     </p:extLst>
   </p:cSld>
@@ -550,7 +558,7 @@
           <p:cNvPr id="2" name="竖排标题 1">
             <a:extLst>
               <a:ext uri="{FF2B5EF4-FFF2-40B4-BE49-F238E27FC236}">
-                <a16:creationId xmlns:a16="http://schemas.microsoft.com/office/drawing/2014/main" id="{17C61EAD-5DE6-41F5-BA96-EE4095EA71A6}"/>
+                <a16:creationId xmlns:a16="http://schemas.microsoft.com/office/drawing/2014/main" id="{12A16492-5691-49E8-9576-238412569258}"/>
               </a:ext>
             </a:extLst>
           </p:cNvPr>
@@ -583,7 +591,7 @@
           <p:cNvPr id="3" name="竖排文字占位符 2">
             <a:extLst>
               <a:ext uri="{FF2B5EF4-FFF2-40B4-BE49-F238E27FC236}">
-                <a16:creationId xmlns:a16="http://schemas.microsoft.com/office/drawing/2014/main" id="{DA0AA8FE-65A3-49FE-A569-F33F9AD2D981}"/>
+                <a16:creationId xmlns:a16="http://schemas.microsoft.com/office/drawing/2014/main" id="{034EA366-6550-4482-9B72-EDFAE9B0DC37}"/>
               </a:ext>
             </a:extLst>
           </p:cNvPr>
@@ -645,7 +653,7 @@
           <p:cNvPr id="4" name="日期占位符 3">
             <a:extLst>
               <a:ext uri="{FF2B5EF4-FFF2-40B4-BE49-F238E27FC236}">
-                <a16:creationId xmlns:a16="http://schemas.microsoft.com/office/drawing/2014/main" id="{56D33CF4-08E0-467E-B939-906A20EE894A}"/>
+                <a16:creationId xmlns:a16="http://schemas.microsoft.com/office/drawing/2014/main" id="{D27E059A-E966-46BC-96F6-907F752FD104}"/>
               </a:ext>
             </a:extLst>
           </p:cNvPr>
@@ -661,9 +669,9 @@
           <a:bodyPr/>
           <a:lstStyle/>
           <a:p>
-            <a:fld id="{7B333CBC-1C83-4799-8242-74F0FC7F54B6}" type="datetimeFigureOut">
+            <a:fld id="{729BBD1A-1FE8-4DDD-BE3B-FFEAD7E5FAD1}" type="datetimeFigureOut">
               <a:rPr lang="zh-CN" altLang="en-US" smtClean="0"/>
-              <a:t>2019/10/11</a:t>
+              <a:t>2019/12/9</a:t>
             </a:fld>
             <a:endParaRPr lang="zh-CN" altLang="en-US"/>
           </a:p>
@@ -674,7 +682,7 @@
           <p:cNvPr id="5" name="页脚占位符 4">
             <a:extLst>
               <a:ext uri="{FF2B5EF4-FFF2-40B4-BE49-F238E27FC236}">
-                <a16:creationId xmlns:a16="http://schemas.microsoft.com/office/drawing/2014/main" id="{CDC9FD8E-6C22-4D70-B77F-9A6E185634E6}"/>
+                <a16:creationId xmlns:a16="http://schemas.microsoft.com/office/drawing/2014/main" id="{A869724E-E764-4586-9AC9-8EF658890743}"/>
               </a:ext>
             </a:extLst>
           </p:cNvPr>
@@ -699,7 +707,7 @@
           <p:cNvPr id="6" name="灯片编号占位符 5">
             <a:extLst>
               <a:ext uri="{FF2B5EF4-FFF2-40B4-BE49-F238E27FC236}">
-                <a16:creationId xmlns:a16="http://schemas.microsoft.com/office/drawing/2014/main" id="{3A500235-FB57-4FFB-B98B-F0B5054C75EC}"/>
+                <a16:creationId xmlns:a16="http://schemas.microsoft.com/office/drawing/2014/main" id="{A3277583-DF16-4F0E-8C9E-9A003C365989}"/>
               </a:ext>
             </a:extLst>
           </p:cNvPr>
@@ -715,7 +723,7 @@
           <a:bodyPr/>
           <a:lstStyle/>
           <a:p>
-            <a:fld id="{565C37BC-E208-4F8D-A46B-E09E3FEBB574}" type="slidenum">
+            <a:fld id="{6101CF88-0313-4B6B-9070-7A73FC9210C0}" type="slidenum">
               <a:rPr lang="zh-CN" altLang="en-US" smtClean="0"/>
               <a:t>‹#›</a:t>
             </a:fld>
@@ -726,7 +734,7 @@
     </p:spTree>
     <p:extLst>
       <p:ext uri="{BB962C8B-B14F-4D97-AF65-F5344CB8AC3E}">
-        <p14:creationId xmlns:p14="http://schemas.microsoft.com/office/powerpoint/2010/main" val="2402660859"/>
+        <p14:creationId xmlns:p14="http://schemas.microsoft.com/office/powerpoint/2010/main" val="2633956096"/>
       </p:ext>
     </p:extLst>
   </p:cSld>
@@ -758,7 +766,7 @@
           <p:cNvPr id="2" name="标题 1">
             <a:extLst>
               <a:ext uri="{FF2B5EF4-FFF2-40B4-BE49-F238E27FC236}">
-                <a16:creationId xmlns:a16="http://schemas.microsoft.com/office/drawing/2014/main" id="{878BFABE-3F0D-45B3-AE45-1FD94961626F}"/>
+                <a16:creationId xmlns:a16="http://schemas.microsoft.com/office/drawing/2014/main" id="{70AD3500-68C9-4BAF-B9E3-675E087DF748}"/>
               </a:ext>
             </a:extLst>
           </p:cNvPr>
@@ -786,7 +794,7 @@
           <p:cNvPr id="3" name="内容占位符 2">
             <a:extLst>
               <a:ext uri="{FF2B5EF4-FFF2-40B4-BE49-F238E27FC236}">
-                <a16:creationId xmlns:a16="http://schemas.microsoft.com/office/drawing/2014/main" id="{0AB5E08B-7181-4FCF-BFC4-EF7C30303ADA}"/>
+                <a16:creationId xmlns:a16="http://schemas.microsoft.com/office/drawing/2014/main" id="{EF0FB762-E83E-498D-BE8F-D921C809B0F8}"/>
               </a:ext>
             </a:extLst>
           </p:cNvPr>
@@ -843,7 +851,7 @@
           <p:cNvPr id="4" name="日期占位符 3">
             <a:extLst>
               <a:ext uri="{FF2B5EF4-FFF2-40B4-BE49-F238E27FC236}">
-                <a16:creationId xmlns:a16="http://schemas.microsoft.com/office/drawing/2014/main" id="{56F52318-44E6-4160-8220-479981669746}"/>
+                <a16:creationId xmlns:a16="http://schemas.microsoft.com/office/drawing/2014/main" id="{F8BF74FB-2D68-43E1-AF93-4D74A6488A04}"/>
               </a:ext>
             </a:extLst>
           </p:cNvPr>
@@ -859,9 +867,9 @@
           <a:bodyPr/>
           <a:lstStyle/>
           <a:p>
-            <a:fld id="{7B333CBC-1C83-4799-8242-74F0FC7F54B6}" type="datetimeFigureOut">
+            <a:fld id="{729BBD1A-1FE8-4DDD-BE3B-FFEAD7E5FAD1}" type="datetimeFigureOut">
               <a:rPr lang="zh-CN" altLang="en-US" smtClean="0"/>
-              <a:t>2019/10/11</a:t>
+              <a:t>2019/12/9</a:t>
             </a:fld>
             <a:endParaRPr lang="zh-CN" altLang="en-US"/>
           </a:p>
@@ -872,7 +880,7 @@
           <p:cNvPr id="5" name="页脚占位符 4">
             <a:extLst>
               <a:ext uri="{FF2B5EF4-FFF2-40B4-BE49-F238E27FC236}">
-                <a16:creationId xmlns:a16="http://schemas.microsoft.com/office/drawing/2014/main" id="{07EDB537-F26E-41D4-9F38-1A6625A26DB9}"/>
+                <a16:creationId xmlns:a16="http://schemas.microsoft.com/office/drawing/2014/main" id="{67920B0D-43BE-4464-B83F-492C8FA2F54A}"/>
               </a:ext>
             </a:extLst>
           </p:cNvPr>
@@ -897,7 +905,7 @@
           <p:cNvPr id="6" name="灯片编号占位符 5">
             <a:extLst>
               <a:ext uri="{FF2B5EF4-FFF2-40B4-BE49-F238E27FC236}">
-                <a16:creationId xmlns:a16="http://schemas.microsoft.com/office/drawing/2014/main" id="{5BD10D94-32D1-40D1-8A87-ACD067DE4516}"/>
+                <a16:creationId xmlns:a16="http://schemas.microsoft.com/office/drawing/2014/main" id="{665650D5-ECE5-4701-80B8-385CE44D1766}"/>
               </a:ext>
             </a:extLst>
           </p:cNvPr>
@@ -913,7 +921,7 @@
           <a:bodyPr/>
           <a:lstStyle/>
           <a:p>
-            <a:fld id="{565C37BC-E208-4F8D-A46B-E09E3FEBB574}" type="slidenum">
+            <a:fld id="{6101CF88-0313-4B6B-9070-7A73FC9210C0}" type="slidenum">
               <a:rPr lang="zh-CN" altLang="en-US" smtClean="0"/>
               <a:t>‹#›</a:t>
             </a:fld>
@@ -924,7 +932,7 @@
     </p:spTree>
     <p:extLst>
       <p:ext uri="{BB962C8B-B14F-4D97-AF65-F5344CB8AC3E}">
-        <p14:creationId xmlns:p14="http://schemas.microsoft.com/office/powerpoint/2010/main" val="1486133781"/>
+        <p14:creationId xmlns:p14="http://schemas.microsoft.com/office/powerpoint/2010/main" val="933064838"/>
       </p:ext>
     </p:extLst>
   </p:cSld>
@@ -956,7 +964,7 @@
           <p:cNvPr id="2" name="标题 1">
             <a:extLst>
               <a:ext uri="{FF2B5EF4-FFF2-40B4-BE49-F238E27FC236}">
-                <a16:creationId xmlns:a16="http://schemas.microsoft.com/office/drawing/2014/main" id="{60694D10-C70F-44EE-8723-5880C0846164}"/>
+                <a16:creationId xmlns:a16="http://schemas.microsoft.com/office/drawing/2014/main" id="{9A95BF8B-0ECD-4945-8768-614A4A3119BD}"/>
               </a:ext>
             </a:extLst>
           </p:cNvPr>
@@ -993,7 +1001,7 @@
           <p:cNvPr id="3" name="文本占位符 2">
             <a:extLst>
               <a:ext uri="{FF2B5EF4-FFF2-40B4-BE49-F238E27FC236}">
-                <a16:creationId xmlns:a16="http://schemas.microsoft.com/office/drawing/2014/main" id="{C6E0B362-9079-4937-B905-99AD608BF977}"/>
+                <a16:creationId xmlns:a16="http://schemas.microsoft.com/office/drawing/2014/main" id="{821EB121-E376-4CE0-A53E-67D06050881F}"/>
               </a:ext>
             </a:extLst>
           </p:cNvPr>
@@ -1118,7 +1126,7 @@
           <p:cNvPr id="4" name="日期占位符 3">
             <a:extLst>
               <a:ext uri="{FF2B5EF4-FFF2-40B4-BE49-F238E27FC236}">
-                <a16:creationId xmlns:a16="http://schemas.microsoft.com/office/drawing/2014/main" id="{CB56F62E-2842-4E32-8425-85A0952E6955}"/>
+                <a16:creationId xmlns:a16="http://schemas.microsoft.com/office/drawing/2014/main" id="{298A1682-9961-469C-820A-04CEE1CD3F80}"/>
               </a:ext>
             </a:extLst>
           </p:cNvPr>
@@ -1134,9 +1142,9 @@
           <a:bodyPr/>
           <a:lstStyle/>
           <a:p>
-            <a:fld id="{7B333CBC-1C83-4799-8242-74F0FC7F54B6}" type="datetimeFigureOut">
+            <a:fld id="{729BBD1A-1FE8-4DDD-BE3B-FFEAD7E5FAD1}" type="datetimeFigureOut">
               <a:rPr lang="zh-CN" altLang="en-US" smtClean="0"/>
-              <a:t>2019/10/11</a:t>
+              <a:t>2019/12/9</a:t>
             </a:fld>
             <a:endParaRPr lang="zh-CN" altLang="en-US"/>
           </a:p>
@@ -1147,7 +1155,7 @@
           <p:cNvPr id="5" name="页脚占位符 4">
             <a:extLst>
               <a:ext uri="{FF2B5EF4-FFF2-40B4-BE49-F238E27FC236}">
-                <a16:creationId xmlns:a16="http://schemas.microsoft.com/office/drawing/2014/main" id="{044AF96E-8694-4E1F-A623-10B8ABC8D711}"/>
+                <a16:creationId xmlns:a16="http://schemas.microsoft.com/office/drawing/2014/main" id="{B7205372-31A3-44FC-9081-D005A0053625}"/>
               </a:ext>
             </a:extLst>
           </p:cNvPr>
@@ -1172,7 +1180,7 @@
           <p:cNvPr id="6" name="灯片编号占位符 5">
             <a:extLst>
               <a:ext uri="{FF2B5EF4-FFF2-40B4-BE49-F238E27FC236}">
-                <a16:creationId xmlns:a16="http://schemas.microsoft.com/office/drawing/2014/main" id="{C8DA7633-755C-4E4A-8BBE-047676C238A5}"/>
+                <a16:creationId xmlns:a16="http://schemas.microsoft.com/office/drawing/2014/main" id="{FA9E12B5-44ED-425E-A5AD-E292933E2D16}"/>
               </a:ext>
             </a:extLst>
           </p:cNvPr>
@@ -1188,7 +1196,7 @@
           <a:bodyPr/>
           <a:lstStyle/>
           <a:p>
-            <a:fld id="{565C37BC-E208-4F8D-A46B-E09E3FEBB574}" type="slidenum">
+            <a:fld id="{6101CF88-0313-4B6B-9070-7A73FC9210C0}" type="slidenum">
               <a:rPr lang="zh-CN" altLang="en-US" smtClean="0"/>
               <a:t>‹#›</a:t>
             </a:fld>
@@ -1199,7 +1207,7 @@
     </p:spTree>
     <p:extLst>
       <p:ext uri="{BB962C8B-B14F-4D97-AF65-F5344CB8AC3E}">
-        <p14:creationId xmlns:p14="http://schemas.microsoft.com/office/powerpoint/2010/main" val="1396763245"/>
+        <p14:creationId xmlns:p14="http://schemas.microsoft.com/office/powerpoint/2010/main" val="2856510590"/>
       </p:ext>
     </p:extLst>
   </p:cSld>
@@ -1231,7 +1239,7 @@
           <p:cNvPr id="2" name="标题 1">
             <a:extLst>
               <a:ext uri="{FF2B5EF4-FFF2-40B4-BE49-F238E27FC236}">
-                <a16:creationId xmlns:a16="http://schemas.microsoft.com/office/drawing/2014/main" id="{5C5FE528-ADED-4B1B-AA4A-0D1F0A5496FD}"/>
+                <a16:creationId xmlns:a16="http://schemas.microsoft.com/office/drawing/2014/main" id="{8674ECED-96B5-4D85-8083-CD5ECA940E04}"/>
               </a:ext>
             </a:extLst>
           </p:cNvPr>
@@ -1259,7 +1267,7 @@
           <p:cNvPr id="3" name="内容占位符 2">
             <a:extLst>
               <a:ext uri="{FF2B5EF4-FFF2-40B4-BE49-F238E27FC236}">
-                <a16:creationId xmlns:a16="http://schemas.microsoft.com/office/drawing/2014/main" id="{1A15D9FE-1DFA-40DB-8205-14465F362F71}"/>
+                <a16:creationId xmlns:a16="http://schemas.microsoft.com/office/drawing/2014/main" id="{03587100-28EE-4832-B18B-4C450647BC25}"/>
               </a:ext>
             </a:extLst>
           </p:cNvPr>
@@ -1321,7 +1329,7 @@
           <p:cNvPr id="4" name="内容占位符 3">
             <a:extLst>
               <a:ext uri="{FF2B5EF4-FFF2-40B4-BE49-F238E27FC236}">
-                <a16:creationId xmlns:a16="http://schemas.microsoft.com/office/drawing/2014/main" id="{E4ECE301-58C8-42A6-9129-BEFEF3EC4236}"/>
+                <a16:creationId xmlns:a16="http://schemas.microsoft.com/office/drawing/2014/main" id="{50CB6C4E-350A-429C-A8AA-4C26AE4369F2}"/>
               </a:ext>
             </a:extLst>
           </p:cNvPr>
@@ -1383,7 +1391,7 @@
           <p:cNvPr id="5" name="日期占位符 4">
             <a:extLst>
               <a:ext uri="{FF2B5EF4-FFF2-40B4-BE49-F238E27FC236}">
-                <a16:creationId xmlns:a16="http://schemas.microsoft.com/office/drawing/2014/main" id="{2D1A193A-93C0-4205-A6A7-24691B6F9B42}"/>
+                <a16:creationId xmlns:a16="http://schemas.microsoft.com/office/drawing/2014/main" id="{7859002E-D833-44BF-9D83-E988E11A59D6}"/>
               </a:ext>
             </a:extLst>
           </p:cNvPr>
@@ -1399,9 +1407,9 @@
           <a:bodyPr/>
           <a:lstStyle/>
           <a:p>
-            <a:fld id="{7B333CBC-1C83-4799-8242-74F0FC7F54B6}" type="datetimeFigureOut">
+            <a:fld id="{729BBD1A-1FE8-4DDD-BE3B-FFEAD7E5FAD1}" type="datetimeFigureOut">
               <a:rPr lang="zh-CN" altLang="en-US" smtClean="0"/>
-              <a:t>2019/10/11</a:t>
+              <a:t>2019/12/9</a:t>
             </a:fld>
             <a:endParaRPr lang="zh-CN" altLang="en-US"/>
           </a:p>
@@ -1412,7 +1420,7 @@
           <p:cNvPr id="6" name="页脚占位符 5">
             <a:extLst>
               <a:ext uri="{FF2B5EF4-FFF2-40B4-BE49-F238E27FC236}">
-                <a16:creationId xmlns:a16="http://schemas.microsoft.com/office/drawing/2014/main" id="{09D1B86C-91F6-41FE-8143-AA71D8D54289}"/>
+                <a16:creationId xmlns:a16="http://schemas.microsoft.com/office/drawing/2014/main" id="{C9E7B8F7-4115-469B-BD23-A0FC4B54FD12}"/>
               </a:ext>
             </a:extLst>
           </p:cNvPr>
@@ -1437,7 +1445,7 @@
           <p:cNvPr id="7" name="灯片编号占位符 6">
             <a:extLst>
               <a:ext uri="{FF2B5EF4-FFF2-40B4-BE49-F238E27FC236}">
-                <a16:creationId xmlns:a16="http://schemas.microsoft.com/office/drawing/2014/main" id="{B7A21585-1BCE-4C21-A948-13BBB95B6841}"/>
+                <a16:creationId xmlns:a16="http://schemas.microsoft.com/office/drawing/2014/main" id="{D8A65388-45BA-40BE-BB48-41ACAC25FB8C}"/>
               </a:ext>
             </a:extLst>
           </p:cNvPr>
@@ -1453,7 +1461,7 @@
           <a:bodyPr/>
           <a:lstStyle/>
           <a:p>
-            <a:fld id="{565C37BC-E208-4F8D-A46B-E09E3FEBB574}" type="slidenum">
+            <a:fld id="{6101CF88-0313-4B6B-9070-7A73FC9210C0}" type="slidenum">
               <a:rPr lang="zh-CN" altLang="en-US" smtClean="0"/>
               <a:t>‹#›</a:t>
             </a:fld>
@@ -1464,7 +1472,7 @@
     </p:spTree>
     <p:extLst>
       <p:ext uri="{BB962C8B-B14F-4D97-AF65-F5344CB8AC3E}">
-        <p14:creationId xmlns:p14="http://schemas.microsoft.com/office/powerpoint/2010/main" val="1486775858"/>
+        <p14:creationId xmlns:p14="http://schemas.microsoft.com/office/powerpoint/2010/main" val="2884010420"/>
       </p:ext>
     </p:extLst>
   </p:cSld>
@@ -1496,7 +1504,7 @@
           <p:cNvPr id="2" name="标题 1">
             <a:extLst>
               <a:ext uri="{FF2B5EF4-FFF2-40B4-BE49-F238E27FC236}">
-                <a16:creationId xmlns:a16="http://schemas.microsoft.com/office/drawing/2014/main" id="{AB8AD465-B8B4-4F1A-829B-E77C5F3B89CD}"/>
+                <a16:creationId xmlns:a16="http://schemas.microsoft.com/office/drawing/2014/main" id="{E1F9DABB-9711-4900-BA70-E88B17CF41A0}"/>
               </a:ext>
             </a:extLst>
           </p:cNvPr>
@@ -1529,7 +1537,7 @@
           <p:cNvPr id="3" name="文本占位符 2">
             <a:extLst>
               <a:ext uri="{FF2B5EF4-FFF2-40B4-BE49-F238E27FC236}">
-                <a16:creationId xmlns:a16="http://schemas.microsoft.com/office/drawing/2014/main" id="{48EE236F-B29C-4A15-8BBB-3C5779741E33}"/>
+                <a16:creationId xmlns:a16="http://schemas.microsoft.com/office/drawing/2014/main" id="{3DC38925-BB41-4F36-BE1F-3218C83FB3E1}"/>
               </a:ext>
             </a:extLst>
           </p:cNvPr>
@@ -1600,7 +1608,7 @@
           <p:cNvPr id="4" name="内容占位符 3">
             <a:extLst>
               <a:ext uri="{FF2B5EF4-FFF2-40B4-BE49-F238E27FC236}">
-                <a16:creationId xmlns:a16="http://schemas.microsoft.com/office/drawing/2014/main" id="{BDC8BF6A-790A-4B69-8952-B31545F25DCB}"/>
+                <a16:creationId xmlns:a16="http://schemas.microsoft.com/office/drawing/2014/main" id="{42EE3CD4-92C0-4892-9DA3-AD20469A8409}"/>
               </a:ext>
             </a:extLst>
           </p:cNvPr>
@@ -1662,7 +1670,7 @@
           <p:cNvPr id="5" name="文本占位符 4">
             <a:extLst>
               <a:ext uri="{FF2B5EF4-FFF2-40B4-BE49-F238E27FC236}">
-                <a16:creationId xmlns:a16="http://schemas.microsoft.com/office/drawing/2014/main" id="{42505E1D-1247-4539-9F75-012354D17980}"/>
+                <a16:creationId xmlns:a16="http://schemas.microsoft.com/office/drawing/2014/main" id="{03FDE472-EB9F-45AA-8BD0-1ED4650DFF09}"/>
               </a:ext>
             </a:extLst>
           </p:cNvPr>
@@ -1733,7 +1741,7 @@
           <p:cNvPr id="6" name="内容占位符 5">
             <a:extLst>
               <a:ext uri="{FF2B5EF4-FFF2-40B4-BE49-F238E27FC236}">
-                <a16:creationId xmlns:a16="http://schemas.microsoft.com/office/drawing/2014/main" id="{6A347E78-2023-46F2-97FF-DE5652E94966}"/>
+                <a16:creationId xmlns:a16="http://schemas.microsoft.com/office/drawing/2014/main" id="{42D7A5E3-01B1-4DB0-8B29-0DBE195A5644}"/>
               </a:ext>
             </a:extLst>
           </p:cNvPr>
@@ -1795,7 +1803,7 @@
           <p:cNvPr id="7" name="日期占位符 6">
             <a:extLst>
               <a:ext uri="{FF2B5EF4-FFF2-40B4-BE49-F238E27FC236}">
-                <a16:creationId xmlns:a16="http://schemas.microsoft.com/office/drawing/2014/main" id="{EB0B09BC-D12B-47B0-ADBC-60DD5DF21DB2}"/>
+                <a16:creationId xmlns:a16="http://schemas.microsoft.com/office/drawing/2014/main" id="{D3664ACC-BF28-4CFB-8003-798F123BCF9F}"/>
               </a:ext>
             </a:extLst>
           </p:cNvPr>
@@ -1811,9 +1819,9 @@
           <a:bodyPr/>
           <a:lstStyle/>
           <a:p>
-            <a:fld id="{7B333CBC-1C83-4799-8242-74F0FC7F54B6}" type="datetimeFigureOut">
+            <a:fld id="{729BBD1A-1FE8-4DDD-BE3B-FFEAD7E5FAD1}" type="datetimeFigureOut">
               <a:rPr lang="zh-CN" altLang="en-US" smtClean="0"/>
-              <a:t>2019/10/11</a:t>
+              <a:t>2019/12/9</a:t>
             </a:fld>
             <a:endParaRPr lang="zh-CN" altLang="en-US"/>
           </a:p>
@@ -1824,7 +1832,7 @@
           <p:cNvPr id="8" name="页脚占位符 7">
             <a:extLst>
               <a:ext uri="{FF2B5EF4-FFF2-40B4-BE49-F238E27FC236}">
-                <a16:creationId xmlns:a16="http://schemas.microsoft.com/office/drawing/2014/main" id="{34B50894-686C-44E6-8582-FBA5EBD56F6E}"/>
+                <a16:creationId xmlns:a16="http://schemas.microsoft.com/office/drawing/2014/main" id="{A092A21A-A403-4D26-B187-ECA0437EF648}"/>
               </a:ext>
             </a:extLst>
           </p:cNvPr>
@@ -1849,7 +1857,7 @@
           <p:cNvPr id="9" name="灯片编号占位符 8">
             <a:extLst>
               <a:ext uri="{FF2B5EF4-FFF2-40B4-BE49-F238E27FC236}">
-                <a16:creationId xmlns:a16="http://schemas.microsoft.com/office/drawing/2014/main" id="{705A1042-F71A-471B-A6C0-4A260E8CA635}"/>
+                <a16:creationId xmlns:a16="http://schemas.microsoft.com/office/drawing/2014/main" id="{F5794EEC-4BB5-4553-9C08-9D1FF9D914FE}"/>
               </a:ext>
             </a:extLst>
           </p:cNvPr>
@@ -1865,7 +1873,7 @@
           <a:bodyPr/>
           <a:lstStyle/>
           <a:p>
-            <a:fld id="{565C37BC-E208-4F8D-A46B-E09E3FEBB574}" type="slidenum">
+            <a:fld id="{6101CF88-0313-4B6B-9070-7A73FC9210C0}" type="slidenum">
               <a:rPr lang="zh-CN" altLang="en-US" smtClean="0"/>
               <a:t>‹#›</a:t>
             </a:fld>
@@ -1876,7 +1884,7 @@
     </p:spTree>
     <p:extLst>
       <p:ext uri="{BB962C8B-B14F-4D97-AF65-F5344CB8AC3E}">
-        <p14:creationId xmlns:p14="http://schemas.microsoft.com/office/powerpoint/2010/main" val="765876879"/>
+        <p14:creationId xmlns:p14="http://schemas.microsoft.com/office/powerpoint/2010/main" val="2667190843"/>
       </p:ext>
     </p:extLst>
   </p:cSld>
@@ -1908,7 +1916,7 @@
           <p:cNvPr id="2" name="标题 1">
             <a:extLst>
               <a:ext uri="{FF2B5EF4-FFF2-40B4-BE49-F238E27FC236}">
-                <a16:creationId xmlns:a16="http://schemas.microsoft.com/office/drawing/2014/main" id="{5B672CE9-F457-42F0-AC7E-0F97C2C009B9}"/>
+                <a16:creationId xmlns:a16="http://schemas.microsoft.com/office/drawing/2014/main" id="{08D336D7-16B7-4097-B184-343071DA0EA5}"/>
               </a:ext>
             </a:extLst>
           </p:cNvPr>
@@ -1936,7 +1944,7 @@
           <p:cNvPr id="3" name="日期占位符 2">
             <a:extLst>
               <a:ext uri="{FF2B5EF4-FFF2-40B4-BE49-F238E27FC236}">
-                <a16:creationId xmlns:a16="http://schemas.microsoft.com/office/drawing/2014/main" id="{D4DFD2E0-5861-411A-B850-0768D85188CF}"/>
+                <a16:creationId xmlns:a16="http://schemas.microsoft.com/office/drawing/2014/main" id="{A6477107-DD67-4DC9-B825-D0CF5776CAB7}"/>
               </a:ext>
             </a:extLst>
           </p:cNvPr>
@@ -1952,9 +1960,9 @@
           <a:bodyPr/>
           <a:lstStyle/>
           <a:p>
-            <a:fld id="{7B333CBC-1C83-4799-8242-74F0FC7F54B6}" type="datetimeFigureOut">
+            <a:fld id="{729BBD1A-1FE8-4DDD-BE3B-FFEAD7E5FAD1}" type="datetimeFigureOut">
               <a:rPr lang="zh-CN" altLang="en-US" smtClean="0"/>
-              <a:t>2019/10/11</a:t>
+              <a:t>2019/12/9</a:t>
             </a:fld>
             <a:endParaRPr lang="zh-CN" altLang="en-US"/>
           </a:p>
@@ -1965,7 +1973,7 @@
           <p:cNvPr id="4" name="页脚占位符 3">
             <a:extLst>
               <a:ext uri="{FF2B5EF4-FFF2-40B4-BE49-F238E27FC236}">
-                <a16:creationId xmlns:a16="http://schemas.microsoft.com/office/drawing/2014/main" id="{4E6AF005-C53F-4022-A3CC-FCE8AD9412BE}"/>
+                <a16:creationId xmlns:a16="http://schemas.microsoft.com/office/drawing/2014/main" id="{4C4545DB-CD9F-4135-9763-4BAEE6394845}"/>
               </a:ext>
             </a:extLst>
           </p:cNvPr>
@@ -1990,7 +1998,7 @@
           <p:cNvPr id="5" name="灯片编号占位符 4">
             <a:extLst>
               <a:ext uri="{FF2B5EF4-FFF2-40B4-BE49-F238E27FC236}">
-                <a16:creationId xmlns:a16="http://schemas.microsoft.com/office/drawing/2014/main" id="{869B6CC6-6BFC-4A25-8164-49F29A2BF80E}"/>
+                <a16:creationId xmlns:a16="http://schemas.microsoft.com/office/drawing/2014/main" id="{2F34D2BC-56B6-4FC6-8FB4-20805FEBC25E}"/>
               </a:ext>
             </a:extLst>
           </p:cNvPr>
@@ -2006,7 +2014,7 @@
           <a:bodyPr/>
           <a:lstStyle/>
           <a:p>
-            <a:fld id="{565C37BC-E208-4F8D-A46B-E09E3FEBB574}" type="slidenum">
+            <a:fld id="{6101CF88-0313-4B6B-9070-7A73FC9210C0}" type="slidenum">
               <a:rPr lang="zh-CN" altLang="en-US" smtClean="0"/>
               <a:t>‹#›</a:t>
             </a:fld>
@@ -2017,7 +2025,7 @@
     </p:spTree>
     <p:extLst>
       <p:ext uri="{BB962C8B-B14F-4D97-AF65-F5344CB8AC3E}">
-        <p14:creationId xmlns:p14="http://schemas.microsoft.com/office/powerpoint/2010/main" val="2547869066"/>
+        <p14:creationId xmlns:p14="http://schemas.microsoft.com/office/powerpoint/2010/main" val="3729378525"/>
       </p:ext>
     </p:extLst>
   </p:cSld>
@@ -2049,7 +2057,7 @@
           <p:cNvPr id="2" name="日期占位符 1">
             <a:extLst>
               <a:ext uri="{FF2B5EF4-FFF2-40B4-BE49-F238E27FC236}">
-                <a16:creationId xmlns:a16="http://schemas.microsoft.com/office/drawing/2014/main" id="{F2C64248-7A98-4766-B482-0344A331D571}"/>
+                <a16:creationId xmlns:a16="http://schemas.microsoft.com/office/drawing/2014/main" id="{2C9BDBD8-44B2-47FE-AD94-898BE0B24E08}"/>
               </a:ext>
             </a:extLst>
           </p:cNvPr>
@@ -2065,9 +2073,9 @@
           <a:bodyPr/>
           <a:lstStyle/>
           <a:p>
-            <a:fld id="{7B333CBC-1C83-4799-8242-74F0FC7F54B6}" type="datetimeFigureOut">
+            <a:fld id="{729BBD1A-1FE8-4DDD-BE3B-FFEAD7E5FAD1}" type="datetimeFigureOut">
               <a:rPr lang="zh-CN" altLang="en-US" smtClean="0"/>
-              <a:t>2019/10/11</a:t>
+              <a:t>2019/12/9</a:t>
             </a:fld>
             <a:endParaRPr lang="zh-CN" altLang="en-US"/>
           </a:p>
@@ -2078,7 +2086,7 @@
           <p:cNvPr id="3" name="页脚占位符 2">
             <a:extLst>
               <a:ext uri="{FF2B5EF4-FFF2-40B4-BE49-F238E27FC236}">
-                <a16:creationId xmlns:a16="http://schemas.microsoft.com/office/drawing/2014/main" id="{9A4E58E9-1FAA-471E-8069-DAF03F62A890}"/>
+                <a16:creationId xmlns:a16="http://schemas.microsoft.com/office/drawing/2014/main" id="{3FC28B59-99F4-4566-93A7-AF270EBAC513}"/>
               </a:ext>
             </a:extLst>
           </p:cNvPr>
@@ -2103,7 +2111,7 @@
           <p:cNvPr id="4" name="灯片编号占位符 3">
             <a:extLst>
               <a:ext uri="{FF2B5EF4-FFF2-40B4-BE49-F238E27FC236}">
-                <a16:creationId xmlns:a16="http://schemas.microsoft.com/office/drawing/2014/main" id="{A5BCC72D-21EA-4FC6-8A8E-943DE5B94F78}"/>
+                <a16:creationId xmlns:a16="http://schemas.microsoft.com/office/drawing/2014/main" id="{C993040D-D759-44E2-A9FC-8E6CAD86AC2C}"/>
               </a:ext>
             </a:extLst>
           </p:cNvPr>
@@ -2119,7 +2127,7 @@
           <a:bodyPr/>
           <a:lstStyle/>
           <a:p>
-            <a:fld id="{565C37BC-E208-4F8D-A46B-E09E3FEBB574}" type="slidenum">
+            <a:fld id="{6101CF88-0313-4B6B-9070-7A73FC9210C0}" type="slidenum">
               <a:rPr lang="zh-CN" altLang="en-US" smtClean="0"/>
               <a:t>‹#›</a:t>
             </a:fld>
@@ -2130,7 +2138,7 @@
     </p:spTree>
     <p:extLst>
       <p:ext uri="{BB962C8B-B14F-4D97-AF65-F5344CB8AC3E}">
-        <p14:creationId xmlns:p14="http://schemas.microsoft.com/office/powerpoint/2010/main" val="3747135816"/>
+        <p14:creationId xmlns:p14="http://schemas.microsoft.com/office/powerpoint/2010/main" val="3231096819"/>
       </p:ext>
     </p:extLst>
   </p:cSld>
@@ -2162,7 +2170,7 @@
           <p:cNvPr id="2" name="标题 1">
             <a:extLst>
               <a:ext uri="{FF2B5EF4-FFF2-40B4-BE49-F238E27FC236}">
-                <a16:creationId xmlns:a16="http://schemas.microsoft.com/office/drawing/2014/main" id="{20B2C689-F894-4C46-87B8-10F9B0E49D02}"/>
+                <a16:creationId xmlns:a16="http://schemas.microsoft.com/office/drawing/2014/main" id="{FA0B32C7-5FD8-49F1-B486-C2A1093C648F}"/>
               </a:ext>
             </a:extLst>
           </p:cNvPr>
@@ -2199,7 +2207,7 @@
           <p:cNvPr id="3" name="内容占位符 2">
             <a:extLst>
               <a:ext uri="{FF2B5EF4-FFF2-40B4-BE49-F238E27FC236}">
-                <a16:creationId xmlns:a16="http://schemas.microsoft.com/office/drawing/2014/main" id="{C618A960-3064-4486-86C3-A5676D588D38}"/>
+                <a16:creationId xmlns:a16="http://schemas.microsoft.com/office/drawing/2014/main" id="{667F0F96-F45F-4190-9F66-8C77DEB292B4}"/>
               </a:ext>
             </a:extLst>
           </p:cNvPr>
@@ -2289,7 +2297,7 @@
           <p:cNvPr id="4" name="文本占位符 3">
             <a:extLst>
               <a:ext uri="{FF2B5EF4-FFF2-40B4-BE49-F238E27FC236}">
-                <a16:creationId xmlns:a16="http://schemas.microsoft.com/office/drawing/2014/main" id="{5D8BCEB0-A7FB-45C8-971D-270004E0FAAA}"/>
+                <a16:creationId xmlns:a16="http://schemas.microsoft.com/office/drawing/2014/main" id="{F544A2D6-B1F9-4A0F-A0E8-FCE6CA44BC36}"/>
               </a:ext>
             </a:extLst>
           </p:cNvPr>
@@ -2360,7 +2368,7 @@
           <p:cNvPr id="5" name="日期占位符 4">
             <a:extLst>
               <a:ext uri="{FF2B5EF4-FFF2-40B4-BE49-F238E27FC236}">
-                <a16:creationId xmlns:a16="http://schemas.microsoft.com/office/drawing/2014/main" id="{CB67A52D-1E58-4F3A-B0A2-EB6291002A98}"/>
+                <a16:creationId xmlns:a16="http://schemas.microsoft.com/office/drawing/2014/main" id="{34D1AD9E-84BE-4E96-8250-8D5DAD6DCAED}"/>
               </a:ext>
             </a:extLst>
           </p:cNvPr>
@@ -2376,9 +2384,9 @@
           <a:bodyPr/>
           <a:lstStyle/>
           <a:p>
-            <a:fld id="{7B333CBC-1C83-4799-8242-74F0FC7F54B6}" type="datetimeFigureOut">
+            <a:fld id="{729BBD1A-1FE8-4DDD-BE3B-FFEAD7E5FAD1}" type="datetimeFigureOut">
               <a:rPr lang="zh-CN" altLang="en-US" smtClean="0"/>
-              <a:t>2019/10/11</a:t>
+              <a:t>2019/12/9</a:t>
             </a:fld>
             <a:endParaRPr lang="zh-CN" altLang="en-US"/>
           </a:p>
@@ -2389,7 +2397,7 @@
           <p:cNvPr id="6" name="页脚占位符 5">
             <a:extLst>
               <a:ext uri="{FF2B5EF4-FFF2-40B4-BE49-F238E27FC236}">
-                <a16:creationId xmlns:a16="http://schemas.microsoft.com/office/drawing/2014/main" id="{ADBDD29C-B03C-4894-98A4-8D39BB399919}"/>
+                <a16:creationId xmlns:a16="http://schemas.microsoft.com/office/drawing/2014/main" id="{E2937F8B-7B65-451B-931F-458A89C6CCF6}"/>
               </a:ext>
             </a:extLst>
           </p:cNvPr>
@@ -2414,7 +2422,7 @@
           <p:cNvPr id="7" name="灯片编号占位符 6">
             <a:extLst>
               <a:ext uri="{FF2B5EF4-FFF2-40B4-BE49-F238E27FC236}">
-                <a16:creationId xmlns:a16="http://schemas.microsoft.com/office/drawing/2014/main" id="{7075C45C-2A5A-4021-AB52-5CF23CD6E26E}"/>
+                <a16:creationId xmlns:a16="http://schemas.microsoft.com/office/drawing/2014/main" id="{97A651DF-EEC5-4990-8DC2-2F43348253F3}"/>
               </a:ext>
             </a:extLst>
           </p:cNvPr>
@@ -2430,7 +2438,7 @@
           <a:bodyPr/>
           <a:lstStyle/>
           <a:p>
-            <a:fld id="{565C37BC-E208-4F8D-A46B-E09E3FEBB574}" type="slidenum">
+            <a:fld id="{6101CF88-0313-4B6B-9070-7A73FC9210C0}" type="slidenum">
               <a:rPr lang="zh-CN" altLang="en-US" smtClean="0"/>
               <a:t>‹#›</a:t>
             </a:fld>
@@ -2441,7 +2449,7 @@
     </p:spTree>
     <p:extLst>
       <p:ext uri="{BB962C8B-B14F-4D97-AF65-F5344CB8AC3E}">
-        <p14:creationId xmlns:p14="http://schemas.microsoft.com/office/powerpoint/2010/main" val="468043550"/>
+        <p14:creationId xmlns:p14="http://schemas.microsoft.com/office/powerpoint/2010/main" val="842829748"/>
       </p:ext>
     </p:extLst>
   </p:cSld>
@@ -2473,7 +2481,7 @@
           <p:cNvPr id="2" name="标题 1">
             <a:extLst>
               <a:ext uri="{FF2B5EF4-FFF2-40B4-BE49-F238E27FC236}">
-                <a16:creationId xmlns:a16="http://schemas.microsoft.com/office/drawing/2014/main" id="{E6E42772-CAF7-4FDC-9E6F-BEC1D0CCE80E}"/>
+                <a16:creationId xmlns:a16="http://schemas.microsoft.com/office/drawing/2014/main" id="{4CE30DD1-6CBF-4447-9FCE-538523C75D38}"/>
               </a:ext>
             </a:extLst>
           </p:cNvPr>
@@ -2510,7 +2518,7 @@
           <p:cNvPr id="3" name="图片占位符 2">
             <a:extLst>
               <a:ext uri="{FF2B5EF4-FFF2-40B4-BE49-F238E27FC236}">
-                <a16:creationId xmlns:a16="http://schemas.microsoft.com/office/drawing/2014/main" id="{4C4852EF-563E-47FE-A79F-98956AA3E54A}"/>
+                <a16:creationId xmlns:a16="http://schemas.microsoft.com/office/drawing/2014/main" id="{7F3E783C-669A-4EB1-AF49-48CB30A233FD}"/>
               </a:ext>
             </a:extLst>
           </p:cNvPr>
@@ -2577,7 +2585,7 @@
           <p:cNvPr id="4" name="文本占位符 3">
             <a:extLst>
               <a:ext uri="{FF2B5EF4-FFF2-40B4-BE49-F238E27FC236}">
-                <a16:creationId xmlns:a16="http://schemas.microsoft.com/office/drawing/2014/main" id="{F13B8300-75E5-4F0C-92A2-D9366514B23F}"/>
+                <a16:creationId xmlns:a16="http://schemas.microsoft.com/office/drawing/2014/main" id="{7CCBA9BE-A10E-4EBF-8FAC-BB90752470D7}"/>
               </a:ext>
             </a:extLst>
           </p:cNvPr>
@@ -2648,7 +2656,7 @@
           <p:cNvPr id="5" name="日期占位符 4">
             <a:extLst>
               <a:ext uri="{FF2B5EF4-FFF2-40B4-BE49-F238E27FC236}">
-                <a16:creationId xmlns:a16="http://schemas.microsoft.com/office/drawing/2014/main" id="{A2764FDF-2104-4CD7-B067-A7993F2F1F6D}"/>
+                <a16:creationId xmlns:a16="http://schemas.microsoft.com/office/drawing/2014/main" id="{549413C9-3F62-4947-9341-CEF8F754CD07}"/>
               </a:ext>
             </a:extLst>
           </p:cNvPr>
@@ -2664,9 +2672,9 @@
           <a:bodyPr/>
           <a:lstStyle/>
           <a:p>
-            <a:fld id="{7B333CBC-1C83-4799-8242-74F0FC7F54B6}" type="datetimeFigureOut">
+            <a:fld id="{729BBD1A-1FE8-4DDD-BE3B-FFEAD7E5FAD1}" type="datetimeFigureOut">
               <a:rPr lang="zh-CN" altLang="en-US" smtClean="0"/>
-              <a:t>2019/10/11</a:t>
+              <a:t>2019/12/9</a:t>
             </a:fld>
             <a:endParaRPr lang="zh-CN" altLang="en-US"/>
           </a:p>
@@ -2677,7 +2685,7 @@
           <p:cNvPr id="6" name="页脚占位符 5">
             <a:extLst>
               <a:ext uri="{FF2B5EF4-FFF2-40B4-BE49-F238E27FC236}">
-                <a16:creationId xmlns:a16="http://schemas.microsoft.com/office/drawing/2014/main" id="{196D4EAB-9561-420C-82AF-224B4A243A3C}"/>
+                <a16:creationId xmlns:a16="http://schemas.microsoft.com/office/drawing/2014/main" id="{06AEC910-6389-4FD7-991F-B86043AA57BD}"/>
               </a:ext>
             </a:extLst>
           </p:cNvPr>
@@ -2702,7 +2710,7 @@
           <p:cNvPr id="7" name="灯片编号占位符 6">
             <a:extLst>
               <a:ext uri="{FF2B5EF4-FFF2-40B4-BE49-F238E27FC236}">
-                <a16:creationId xmlns:a16="http://schemas.microsoft.com/office/drawing/2014/main" id="{72F22575-78E1-4516-8D8C-FFD4B9BA0A5F}"/>
+                <a16:creationId xmlns:a16="http://schemas.microsoft.com/office/drawing/2014/main" id="{2C0F1DF0-C1C4-4219-9BAE-7611F175565E}"/>
               </a:ext>
             </a:extLst>
           </p:cNvPr>
@@ -2718,7 +2726,7 @@
           <a:bodyPr/>
           <a:lstStyle/>
           <a:p>
-            <a:fld id="{565C37BC-E208-4F8D-A46B-E09E3FEBB574}" type="slidenum">
+            <a:fld id="{6101CF88-0313-4B6B-9070-7A73FC9210C0}" type="slidenum">
               <a:rPr lang="zh-CN" altLang="en-US" smtClean="0"/>
               <a:t>‹#›</a:t>
             </a:fld>
@@ -2729,7 +2737,7 @@
     </p:spTree>
     <p:extLst>
       <p:ext uri="{BB962C8B-B14F-4D97-AF65-F5344CB8AC3E}">
-        <p14:creationId xmlns:p14="http://schemas.microsoft.com/office/powerpoint/2010/main" val="299476897"/>
+        <p14:creationId xmlns:p14="http://schemas.microsoft.com/office/powerpoint/2010/main" val="3005782927"/>
       </p:ext>
     </p:extLst>
   </p:cSld>
@@ -2766,7 +2774,7 @@
           <p:cNvPr id="2" name="标题占位符 1">
             <a:extLst>
               <a:ext uri="{FF2B5EF4-FFF2-40B4-BE49-F238E27FC236}">
-                <a16:creationId xmlns:a16="http://schemas.microsoft.com/office/drawing/2014/main" id="{AAE436E0-83B5-4047-A22A-3C6682446DE5}"/>
+                <a16:creationId xmlns:a16="http://schemas.microsoft.com/office/drawing/2014/main" id="{C4637FB9-7576-402B-9F19-40C51D8AC21A}"/>
               </a:ext>
             </a:extLst>
           </p:cNvPr>
@@ -2804,7 +2812,7 @@
           <p:cNvPr id="3" name="文本占位符 2">
             <a:extLst>
               <a:ext uri="{FF2B5EF4-FFF2-40B4-BE49-F238E27FC236}">
-                <a16:creationId xmlns:a16="http://schemas.microsoft.com/office/drawing/2014/main" id="{106AD7D2-ACE2-4697-A7A7-8838C6D38603}"/>
+                <a16:creationId xmlns:a16="http://schemas.microsoft.com/office/drawing/2014/main" id="{58049563-A158-45B4-BF11-20833651018B}"/>
               </a:ext>
             </a:extLst>
           </p:cNvPr>
@@ -2871,7 +2879,7 @@
           <p:cNvPr id="4" name="日期占位符 3">
             <a:extLst>
               <a:ext uri="{FF2B5EF4-FFF2-40B4-BE49-F238E27FC236}">
-                <a16:creationId xmlns:a16="http://schemas.microsoft.com/office/drawing/2014/main" id="{49067235-ED79-46AC-BFEE-EB0AC1A149A7}"/>
+                <a16:creationId xmlns:a16="http://schemas.microsoft.com/office/drawing/2014/main" id="{B2B15526-7913-46DE-B308-569346CAB0EC}"/>
               </a:ext>
             </a:extLst>
           </p:cNvPr>
@@ -2905,9 +2913,9 @@
             </a:lvl1pPr>
           </a:lstStyle>
           <a:p>
-            <a:fld id="{7B333CBC-1C83-4799-8242-74F0FC7F54B6}" type="datetimeFigureOut">
+            <a:fld id="{729BBD1A-1FE8-4DDD-BE3B-FFEAD7E5FAD1}" type="datetimeFigureOut">
               <a:rPr lang="zh-CN" altLang="en-US" smtClean="0"/>
-              <a:t>2019/10/11</a:t>
+              <a:t>2019/12/9</a:t>
             </a:fld>
             <a:endParaRPr lang="zh-CN" altLang="en-US"/>
           </a:p>
@@ -2918,7 +2926,7 @@
           <p:cNvPr id="5" name="页脚占位符 4">
             <a:extLst>
               <a:ext uri="{FF2B5EF4-FFF2-40B4-BE49-F238E27FC236}">
-                <a16:creationId xmlns:a16="http://schemas.microsoft.com/office/drawing/2014/main" id="{3D422A84-B97A-4BA9-890D-C42510AA1EA5}"/>
+                <a16:creationId xmlns:a16="http://schemas.microsoft.com/office/drawing/2014/main" id="{BE31C4D4-924F-4F45-834F-3908DC867F04}"/>
               </a:ext>
             </a:extLst>
           </p:cNvPr>
@@ -2961,7 +2969,7 @@
           <p:cNvPr id="6" name="灯片编号占位符 5">
             <a:extLst>
               <a:ext uri="{FF2B5EF4-FFF2-40B4-BE49-F238E27FC236}">
-                <a16:creationId xmlns:a16="http://schemas.microsoft.com/office/drawing/2014/main" id="{87001858-6A89-4951-85CD-2FAAE7573384}"/>
+                <a16:creationId xmlns:a16="http://schemas.microsoft.com/office/drawing/2014/main" id="{391D5C5B-CD31-4C80-BEF0-F6970256B1F5}"/>
               </a:ext>
             </a:extLst>
           </p:cNvPr>
@@ -2995,7 +3003,7 @@
             </a:lvl1pPr>
           </a:lstStyle>
           <a:p>
-            <a:fld id="{565C37BC-E208-4F8D-A46B-E09E3FEBB574}" type="slidenum">
+            <a:fld id="{6101CF88-0313-4B6B-9070-7A73FC9210C0}" type="slidenum">
               <a:rPr lang="zh-CN" altLang="en-US" smtClean="0"/>
               <a:t>‹#›</a:t>
             </a:fld>
@@ -3006,7 +3014,7 @@
     </p:spTree>
     <p:extLst>
       <p:ext uri="{BB962C8B-B14F-4D97-AF65-F5344CB8AC3E}">
-        <p14:creationId xmlns:p14="http://schemas.microsoft.com/office/powerpoint/2010/main" val="2672689074"/>
+        <p14:creationId xmlns:p14="http://schemas.microsoft.com/office/powerpoint/2010/main" val="3801770082"/>
       </p:ext>
     </p:extLst>
   </p:cSld>
@@ -3324,12 +3332,178 @@
           <a:chExt cx="0" cy="0"/>
         </a:xfrm>
       </p:grpSpPr>
+      <p:sp>
+        <p:nvSpPr>
+          <p:cNvPr id="4" name="文本框 3">
+            <a:extLst>
+              <a:ext uri="{FF2B5EF4-FFF2-40B4-BE49-F238E27FC236}">
+                <a16:creationId xmlns:a16="http://schemas.microsoft.com/office/drawing/2014/main" id="{A3632D54-7071-4585-AF59-EEA9C1876531}"/>
+              </a:ext>
+            </a:extLst>
+          </p:cNvPr>
+          <p:cNvSpPr txBox="1"/>
+          <p:nvPr/>
+        </p:nvSpPr>
+        <p:spPr>
+          <a:xfrm>
+            <a:off x="4030825" y="139960"/>
+            <a:ext cx="7571303" cy="6463308"/>
+          </a:xfrm>
+          <a:prstGeom prst="rect">
+            <a:avLst/>
+          </a:prstGeom>
+          <a:noFill/>
+        </p:spPr>
+        <p:txBody>
+          <a:bodyPr wrap="none" rtlCol="0">
+            <a:spAutoFit/>
+          </a:bodyPr>
+          <a:lstStyle/>
+          <a:p>
+            <a:r>
+              <a:rPr lang="zh-CN" altLang="en-US" dirty="0"/>
+              <a:t>玛丽亚的后台调整了下。</a:t>
+            </a:r>
+            <a:endParaRPr lang="en-US" altLang="zh-CN" dirty="0"/>
+          </a:p>
+          <a:p>
+            <a:endParaRPr lang="en-US" altLang="zh-CN" dirty="0"/>
+          </a:p>
+          <a:p>
+            <a:endParaRPr lang="en-US" altLang="zh-CN" dirty="0"/>
+          </a:p>
+          <a:p>
+            <a:r>
+              <a:rPr lang="zh-CN" altLang="en-US" dirty="0"/>
+              <a:t>拿掉返利余额</a:t>
+            </a:r>
+            <a:br>
+              <a:rPr lang="en-US" altLang="zh-CN" dirty="0"/>
+            </a:br>
+            <a:r>
+              <a:rPr lang="zh-CN" altLang="en-US" dirty="0"/>
+              <a:t>拿掉本月返利基金</a:t>
+            </a:r>
+            <a:endParaRPr lang="en-US" altLang="zh-CN" dirty="0"/>
+          </a:p>
+          <a:p>
+            <a:r>
+              <a:rPr lang="zh-CN" altLang="en-US" dirty="0"/>
+              <a:t>拿掉预计返利</a:t>
+            </a:r>
+            <a:endParaRPr lang="en-US" altLang="zh-CN" dirty="0"/>
+          </a:p>
+          <a:p>
+            <a:endParaRPr lang="en-US" altLang="zh-CN" dirty="0"/>
+          </a:p>
+          <a:p>
+            <a:endParaRPr lang="en-US" altLang="zh-CN" dirty="0"/>
+          </a:p>
+          <a:p>
+            <a:r>
+              <a:rPr lang="zh-CN" altLang="en-US" dirty="0"/>
+              <a:t>变成一个正规的商城。</a:t>
+            </a:r>
+            <a:endParaRPr lang="en-US" altLang="zh-CN" dirty="0"/>
+          </a:p>
+          <a:p>
+            <a:endParaRPr lang="en-US" altLang="zh-CN" dirty="0"/>
+          </a:p>
+          <a:p>
+            <a:r>
+              <a:rPr lang="zh-CN" altLang="en-US" dirty="0"/>
+              <a:t>然后根据累计消费额和积分来兑换神秘礼品，，会有三个神秘礼品在积分</a:t>
+            </a:r>
+            <a:endParaRPr lang="en-US" altLang="zh-CN" dirty="0"/>
+          </a:p>
+          <a:p>
+            <a:r>
+              <a:rPr lang="zh-CN" altLang="en-US" dirty="0"/>
+              <a:t>进度条上。（</a:t>
+            </a:r>
+            <a:r>
+              <a:rPr lang="zh-CN" altLang="en-US" dirty="0">
+                <a:solidFill>
+                  <a:srgbClr val="FF0000"/>
+                </a:solidFill>
+              </a:rPr>
+              <a:t>礼物的图标需要后台能够替换</a:t>
+            </a:r>
+            <a:r>
+              <a:rPr lang="zh-CN" altLang="en-US" dirty="0"/>
+              <a:t>）</a:t>
+            </a:r>
+            <a:endParaRPr lang="en-US" altLang="zh-CN" dirty="0"/>
+          </a:p>
+          <a:p>
+            <a:endParaRPr lang="en-US" altLang="zh-CN" dirty="0"/>
+          </a:p>
+          <a:p>
+            <a:r>
+              <a:rPr lang="zh-CN" altLang="en-US" dirty="0"/>
+              <a:t>神秘礼物的激活，需要积分达到一定数额，累计消费达到一定数额才能</a:t>
+            </a:r>
+            <a:endParaRPr lang="en-US" altLang="zh-CN" dirty="0"/>
+          </a:p>
+          <a:p>
+            <a:r>
+              <a:rPr lang="zh-CN" altLang="en-US" dirty="0"/>
+              <a:t>激活。。</a:t>
+            </a:r>
+            <a:endParaRPr lang="en-US" altLang="zh-CN" dirty="0"/>
+          </a:p>
+          <a:p>
+            <a:endParaRPr lang="en-US" altLang="zh-CN" dirty="0"/>
+          </a:p>
+          <a:p>
+            <a:endParaRPr lang="en-US" altLang="zh-CN" dirty="0"/>
+          </a:p>
+          <a:p>
+            <a:r>
+              <a:rPr lang="zh-CN" altLang="en-US" dirty="0"/>
+              <a:t>激活后点击神秘礼品，会领取，然后直接到订单结算页面。。</a:t>
+            </a:r>
+            <a:endParaRPr lang="en-US" altLang="zh-CN" dirty="0"/>
+          </a:p>
+          <a:p>
+            <a:r>
+              <a:rPr lang="zh-CN" altLang="en-US" dirty="0"/>
+              <a:t>神秘礼品做个合适的图标，激活后可以是动态显示，订单页面和我的</a:t>
+            </a:r>
+            <a:endParaRPr lang="en-US" altLang="zh-CN" dirty="0"/>
+          </a:p>
+          <a:p>
+            <a:r>
+              <a:rPr lang="zh-CN" altLang="en-US" dirty="0"/>
+              <a:t>页面都不需要让客户</a:t>
+            </a:r>
+            <a:endParaRPr lang="en-US" altLang="zh-CN" dirty="0"/>
+          </a:p>
+          <a:p>
+            <a:r>
+              <a:rPr lang="zh-CN" altLang="en-US" dirty="0"/>
+              <a:t>知道这个神秘礼物具体是什么，只说有神秘礼物就好。</a:t>
+            </a:r>
+            <a:endParaRPr lang="en-US" altLang="zh-CN" dirty="0"/>
+          </a:p>
+          <a:p>
+            <a:endParaRPr lang="en-US" altLang="zh-CN" dirty="0"/>
+          </a:p>
+          <a:p>
+            <a:r>
+              <a:rPr lang="zh-CN" altLang="en-US" dirty="0"/>
+              <a:t>所以会有个积分进度条和累积消费记录，二者同时达成，激活神秘礼物</a:t>
+            </a:r>
+            <a:endParaRPr lang="en-US" altLang="zh-CN" dirty="0"/>
+          </a:p>
+        </p:txBody>
+      </p:sp>
       <p:pic>
         <p:nvPicPr>
-          <p:cNvPr id="3" name="图片 2" descr="手机屏幕截图&#10;&#10;描述已自动生成">
-            <a:extLst>
-              <a:ext uri="{FF2B5EF4-FFF2-40B4-BE49-F238E27FC236}">
-                <a16:creationId xmlns:a16="http://schemas.microsoft.com/office/drawing/2014/main" id="{6B517CC7-3CEA-40C8-AB8D-A37BABE2B601}"/>
+          <p:cNvPr id="2" name="图片 1">
+            <a:extLst>
+              <a:ext uri="{FF2B5EF4-FFF2-40B4-BE49-F238E27FC236}">
+                <a16:creationId xmlns:a16="http://schemas.microsoft.com/office/drawing/2014/main" id="{DFA86E9E-68A3-4BEE-BE90-0DC6EB20877F}"/>
               </a:ext>
             </a:extLst>
           </p:cNvPr>
@@ -3339,107 +3513,25 @@
           <p:nvPr/>
         </p:nvPicPr>
         <p:blipFill>
-          <a:blip r:embed="rId2">
-            <a:extLst>
-              <a:ext uri="{28A0092B-C50C-407E-A947-70E740481C1C}">
-                <a14:useLocalDpi xmlns:a14="http://schemas.microsoft.com/office/drawing/2010/main" val="0"/>
-              </a:ext>
-            </a:extLst>
-          </a:blip>
+          <a:blip r:embed="rId2"/>
           <a:stretch>
             <a:fillRect/>
           </a:stretch>
         </p:blipFill>
         <p:spPr>
           <a:xfrm>
-            <a:off x="244636" y="237488"/>
-            <a:ext cx="4972744" cy="3658111"/>
+            <a:off x="0" y="-82296"/>
+            <a:ext cx="3840806" cy="6858000"/>
           </a:xfrm>
           <a:prstGeom prst="rect">
             <a:avLst/>
           </a:prstGeom>
         </p:spPr>
       </p:pic>
-      <p:cxnSp>
-        <p:nvCxnSpPr>
-          <p:cNvPr id="5" name="直接箭头连接符 4">
-            <a:extLst>
-              <a:ext uri="{FF2B5EF4-FFF2-40B4-BE49-F238E27FC236}">
-                <a16:creationId xmlns:a16="http://schemas.microsoft.com/office/drawing/2014/main" id="{3450FCA9-9DBC-4F64-975C-2B218ADAC5EC}"/>
-              </a:ext>
-            </a:extLst>
-          </p:cNvPr>
-          <p:cNvCxnSpPr>
-            <a:cxnSpLocks/>
-          </p:cNvCxnSpPr>
-          <p:nvPr/>
-        </p:nvCxnSpPr>
-        <p:spPr>
-          <a:xfrm flipH="1">
-            <a:off x="4522755" y="630936"/>
-            <a:ext cx="1573245" cy="953841"/>
-          </a:xfrm>
-          <a:prstGeom prst="straightConnector1">
-            <a:avLst/>
-          </a:prstGeom>
-          <a:ln>
-            <a:tailEnd type="triangle"/>
-          </a:ln>
-        </p:spPr>
-        <p:style>
-          <a:lnRef idx="1">
-            <a:schemeClr val="accent1"/>
-          </a:lnRef>
-          <a:fillRef idx="0">
-            <a:schemeClr val="accent1"/>
-          </a:fillRef>
-          <a:effectRef idx="0">
-            <a:schemeClr val="accent1"/>
-          </a:effectRef>
-          <a:fontRef idx="minor">
-            <a:schemeClr val="tx1"/>
-          </a:fontRef>
-        </p:style>
-      </p:cxnSp>
-      <p:sp>
-        <p:nvSpPr>
-          <p:cNvPr id="7" name="文本框 6">
-            <a:extLst>
-              <a:ext uri="{FF2B5EF4-FFF2-40B4-BE49-F238E27FC236}">
-                <a16:creationId xmlns:a16="http://schemas.microsoft.com/office/drawing/2014/main" id="{79C645C7-6634-4936-AC0C-BF1E4274342B}"/>
-              </a:ext>
-            </a:extLst>
-          </p:cNvPr>
-          <p:cNvSpPr txBox="1"/>
-          <p:nvPr/>
-        </p:nvSpPr>
-        <p:spPr>
-          <a:xfrm>
-            <a:off x="6327648" y="630936"/>
-            <a:ext cx="2954655" cy="369332"/>
-          </a:xfrm>
-          <a:prstGeom prst="rect">
-            <a:avLst/>
-          </a:prstGeom>
-          <a:noFill/>
-        </p:spPr>
-        <p:txBody>
-          <a:bodyPr wrap="none" rtlCol="0">
-            <a:spAutoFit/>
-          </a:bodyPr>
-          <a:lstStyle/>
-          <a:p>
-            <a:r>
-              <a:rPr lang="zh-CN" altLang="en-US" dirty="0"/>
-              <a:t>全部商品的这个按钮要替换</a:t>
-            </a:r>
-          </a:p>
-        </p:txBody>
-      </p:sp>
     </p:spTree>
     <p:extLst>
       <p:ext uri="{BB962C8B-B14F-4D97-AF65-F5344CB8AC3E}">
-        <p14:creationId xmlns:p14="http://schemas.microsoft.com/office/powerpoint/2010/main" val="934452965"/>
+        <p14:creationId xmlns:p14="http://schemas.microsoft.com/office/powerpoint/2010/main" val="185745137"/>
       </p:ext>
     </p:extLst>
   </p:cSld>
@@ -3466,12 +3558,74 @@
           <a:chExt cx="0" cy="0"/>
         </a:xfrm>
       </p:grpSpPr>
+      <p:sp>
+        <p:nvSpPr>
+          <p:cNvPr id="4" name="文本框 3">
+            <a:extLst>
+              <a:ext uri="{FF2B5EF4-FFF2-40B4-BE49-F238E27FC236}">
+                <a16:creationId xmlns:a16="http://schemas.microsoft.com/office/drawing/2014/main" id="{49B3753C-27EB-45A1-945E-D7690B0FAC1F}"/>
+              </a:ext>
+            </a:extLst>
+          </p:cNvPr>
+          <p:cNvSpPr txBox="1"/>
+          <p:nvPr/>
+        </p:nvSpPr>
+        <p:spPr>
+          <a:xfrm>
+            <a:off x="4273420" y="531846"/>
+            <a:ext cx="5493812" cy="2031325"/>
+          </a:xfrm>
+          <a:prstGeom prst="rect">
+            <a:avLst/>
+          </a:prstGeom>
+          <a:noFill/>
+        </p:spPr>
+        <p:txBody>
+          <a:bodyPr wrap="none" rtlCol="0">
+            <a:spAutoFit/>
+          </a:bodyPr>
+          <a:lstStyle/>
+          <a:p>
+            <a:r>
+              <a:rPr lang="zh-CN" altLang="en-US" dirty="0"/>
+              <a:t>神秘礼物激活之后，用户点击礼物，提示确认领取。</a:t>
+            </a:r>
+            <a:endParaRPr lang="en-US" altLang="zh-CN" dirty="0"/>
+          </a:p>
+          <a:p>
+            <a:endParaRPr lang="en-US" altLang="zh-CN" dirty="0"/>
+          </a:p>
+          <a:p>
+            <a:r>
+              <a:rPr lang="zh-CN" altLang="en-US" dirty="0"/>
+              <a:t>领取之后，积分和累计消费清零。</a:t>
+            </a:r>
+            <a:endParaRPr lang="en-US" altLang="zh-CN" dirty="0"/>
+          </a:p>
+          <a:p>
+            <a:endParaRPr lang="en-US" altLang="zh-CN" dirty="0"/>
+          </a:p>
+          <a:p>
+            <a:endParaRPr lang="en-US" altLang="zh-CN" dirty="0"/>
+          </a:p>
+          <a:p>
+            <a:endParaRPr lang="en-US" altLang="zh-CN" dirty="0"/>
+          </a:p>
+          <a:p>
+            <a:r>
+              <a:rPr lang="zh-CN" altLang="en-US" dirty="0"/>
+              <a:t>这个页面顶部需要改动</a:t>
+            </a:r>
+            <a:endParaRPr lang="en-US" altLang="zh-CN" dirty="0"/>
+          </a:p>
+        </p:txBody>
+      </p:sp>
       <p:pic>
         <p:nvPicPr>
-          <p:cNvPr id="3" name="图片 2" descr="手机屏幕截图&#10;&#10;描述已自动生成">
-            <a:extLst>
-              <a:ext uri="{FF2B5EF4-FFF2-40B4-BE49-F238E27FC236}">
-                <a16:creationId xmlns:a16="http://schemas.microsoft.com/office/drawing/2014/main" id="{C6D3A1AC-F461-42C6-A776-6BE446E25AAD}"/>
+          <p:cNvPr id="2" name="图片 1">
+            <a:extLst>
+              <a:ext uri="{FF2B5EF4-FFF2-40B4-BE49-F238E27FC236}">
+                <a16:creationId xmlns:a16="http://schemas.microsoft.com/office/drawing/2014/main" id="{233D66CD-F57A-47F8-BF80-10ABDB9BAEB3}"/>
               </a:ext>
             </a:extLst>
           </p:cNvPr>
@@ -3481,149 +3635,25 @@
           <p:nvPr/>
         </p:nvPicPr>
         <p:blipFill>
-          <a:blip r:embed="rId2">
-            <a:extLst>
-              <a:ext uri="{28A0092B-C50C-407E-A947-70E740481C1C}">
-                <a14:useLocalDpi xmlns:a14="http://schemas.microsoft.com/office/drawing/2010/main" val="0"/>
-              </a:ext>
-            </a:extLst>
-          </a:blip>
+          <a:blip r:embed="rId2"/>
           <a:stretch>
             <a:fillRect/>
           </a:stretch>
         </p:blipFill>
         <p:spPr>
           <a:xfrm>
-            <a:off x="390175" y="266768"/>
-            <a:ext cx="5010849" cy="4477375"/>
+            <a:off x="128883" y="-82296"/>
+            <a:ext cx="4144537" cy="6858000"/>
           </a:xfrm>
           <a:prstGeom prst="rect">
             <a:avLst/>
           </a:prstGeom>
         </p:spPr>
       </p:pic>
-      <p:cxnSp>
-        <p:nvCxnSpPr>
-          <p:cNvPr id="5" name="直接箭头连接符 4">
-            <a:extLst>
-              <a:ext uri="{FF2B5EF4-FFF2-40B4-BE49-F238E27FC236}">
-                <a16:creationId xmlns:a16="http://schemas.microsoft.com/office/drawing/2014/main" id="{4ECFA70B-A01E-41B9-B4C6-AB30A0619F18}"/>
-              </a:ext>
-            </a:extLst>
-          </p:cNvPr>
-          <p:cNvCxnSpPr>
-            <a:cxnSpLocks/>
-          </p:cNvCxnSpPr>
-          <p:nvPr/>
-        </p:nvCxnSpPr>
-        <p:spPr>
-          <a:xfrm flipH="1">
-            <a:off x="4187952" y="804672"/>
-            <a:ext cx="2496312" cy="256032"/>
-          </a:xfrm>
-          <a:prstGeom prst="straightConnector1">
-            <a:avLst/>
-          </a:prstGeom>
-          <a:ln>
-            <a:tailEnd type="triangle"/>
-          </a:ln>
-        </p:spPr>
-        <p:style>
-          <a:lnRef idx="1">
-            <a:schemeClr val="accent1"/>
-          </a:lnRef>
-          <a:fillRef idx="0">
-            <a:schemeClr val="accent1"/>
-          </a:fillRef>
-          <a:effectRef idx="0">
-            <a:schemeClr val="accent1"/>
-          </a:effectRef>
-          <a:fontRef idx="minor">
-            <a:schemeClr val="tx1"/>
-          </a:fontRef>
-        </p:style>
-      </p:cxnSp>
-      <p:sp>
-        <p:nvSpPr>
-          <p:cNvPr id="7" name="文本框 6">
-            <a:extLst>
-              <a:ext uri="{FF2B5EF4-FFF2-40B4-BE49-F238E27FC236}">
-                <a16:creationId xmlns:a16="http://schemas.microsoft.com/office/drawing/2014/main" id="{B3BA58FA-88E1-4D82-A8A0-AB552671FBB7}"/>
-              </a:ext>
-            </a:extLst>
-          </p:cNvPr>
-          <p:cNvSpPr txBox="1"/>
-          <p:nvPr/>
-        </p:nvSpPr>
-        <p:spPr>
-          <a:xfrm>
-            <a:off x="6894576" y="512064"/>
-            <a:ext cx="5262979" cy="369332"/>
-          </a:xfrm>
-          <a:prstGeom prst="rect">
-            <a:avLst/>
-          </a:prstGeom>
-          <a:noFill/>
-        </p:spPr>
-        <p:txBody>
-          <a:bodyPr wrap="none" rtlCol="0">
-            <a:spAutoFit/>
-          </a:bodyPr>
-          <a:lstStyle/>
-          <a:p>
-            <a:r>
-              <a:rPr lang="zh-CN" altLang="en-US" dirty="0"/>
-              <a:t>客服点进去，没显示图片，后台单页面里面是有的</a:t>
-            </a:r>
-          </a:p>
-        </p:txBody>
-      </p:sp>
-      <p:sp>
-        <p:nvSpPr>
-          <p:cNvPr id="8" name="文本框 7">
-            <a:extLst>
-              <a:ext uri="{FF2B5EF4-FFF2-40B4-BE49-F238E27FC236}">
-                <a16:creationId xmlns:a16="http://schemas.microsoft.com/office/drawing/2014/main" id="{2F6A1049-788D-4D34-BE58-6727058F434B}"/>
-              </a:ext>
-            </a:extLst>
-          </p:cNvPr>
-          <p:cNvSpPr txBox="1"/>
-          <p:nvPr/>
-        </p:nvSpPr>
-        <p:spPr>
-          <a:xfrm>
-            <a:off x="6684264" y="2660904"/>
-            <a:ext cx="4570482" cy="646331"/>
-          </a:xfrm>
-          <a:prstGeom prst="rect">
-            <a:avLst/>
-          </a:prstGeom>
-          <a:noFill/>
-        </p:spPr>
-        <p:txBody>
-          <a:bodyPr wrap="none" rtlCol="0">
-            <a:spAutoFit/>
-          </a:bodyPr>
-          <a:lstStyle/>
-          <a:p>
-            <a:r>
-              <a:rPr lang="zh-CN" altLang="en-US" dirty="0"/>
-              <a:t>还有后面的隐私策略用户协议，关于我们。</a:t>
-            </a:r>
-            <a:endParaRPr lang="en-US" altLang="zh-CN" dirty="0"/>
-          </a:p>
-          <a:p>
-            <a:r>
-              <a:rPr lang="zh-CN" altLang="en-US" dirty="0"/>
-              <a:t>都点进去没有内容</a:t>
-            </a:r>
-          </a:p>
-        </p:txBody>
-      </p:sp>
     </p:spTree>
     <p:extLst>
       <p:ext uri="{BB962C8B-B14F-4D97-AF65-F5344CB8AC3E}">
-        <p14:creationId xmlns:p14="http://schemas.microsoft.com/office/powerpoint/2010/main" val="2008280517"/>
+        <p14:creationId xmlns:p14="http://schemas.microsoft.com/office/powerpoint/2010/main" val="793433718"/>
       </p:ext>
     </p:extLst>
   </p:cSld>
@@ -3650,12 +3680,47 @@
           <a:chExt cx="0" cy="0"/>
         </a:xfrm>
       </p:grpSpPr>
+      <p:sp>
+        <p:nvSpPr>
+          <p:cNvPr id="4" name="文本框 3">
+            <a:extLst>
+              <a:ext uri="{FF2B5EF4-FFF2-40B4-BE49-F238E27FC236}">
+                <a16:creationId xmlns:a16="http://schemas.microsoft.com/office/drawing/2014/main" id="{DD882111-BF00-4B44-BA12-8C98316CEAD9}"/>
+              </a:ext>
+            </a:extLst>
+          </p:cNvPr>
+          <p:cNvSpPr txBox="1"/>
+          <p:nvPr/>
+        </p:nvSpPr>
+        <p:spPr>
+          <a:xfrm>
+            <a:off x="3834881" y="513183"/>
+            <a:ext cx="4801314" cy="369332"/>
+          </a:xfrm>
+          <a:prstGeom prst="rect">
+            <a:avLst/>
+          </a:prstGeom>
+          <a:noFill/>
+        </p:spPr>
+        <p:txBody>
+          <a:bodyPr wrap="none" rtlCol="0">
+            <a:spAutoFit/>
+          </a:bodyPr>
+          <a:lstStyle/>
+          <a:p>
+            <a:r>
+              <a:rPr lang="zh-CN" altLang="en-US" dirty="0"/>
+              <a:t>寄件人管理拿掉，收件人管理，变成我的地址</a:t>
+            </a:r>
+          </a:p>
+        </p:txBody>
+      </p:sp>
       <p:pic>
         <p:nvPicPr>
-          <p:cNvPr id="3" name="图片 2" descr="电脑屏幕截图&#10;&#10;描述已自动生成">
-            <a:extLst>
-              <a:ext uri="{FF2B5EF4-FFF2-40B4-BE49-F238E27FC236}">
-                <a16:creationId xmlns:a16="http://schemas.microsoft.com/office/drawing/2014/main" id="{56C03251-5371-4990-B92A-21FC5CFC21D6}"/>
+          <p:cNvPr id="5" name="图片 4">
+            <a:extLst>
+              <a:ext uri="{FF2B5EF4-FFF2-40B4-BE49-F238E27FC236}">
+                <a16:creationId xmlns:a16="http://schemas.microsoft.com/office/drawing/2014/main" id="{7FCFDDA0-5B4E-4049-9ABB-68D427B562A5}"/>
               </a:ext>
             </a:extLst>
           </p:cNvPr>
@@ -3665,89 +3730,25 @@
           <p:nvPr/>
         </p:nvPicPr>
         <p:blipFill>
-          <a:blip r:embed="rId2">
-            <a:extLst>
-              <a:ext uri="{28A0092B-C50C-407E-A947-70E740481C1C}">
-                <a14:useLocalDpi xmlns:a14="http://schemas.microsoft.com/office/drawing/2010/main" val="0"/>
-              </a:ext>
-            </a:extLst>
-          </a:blip>
+          <a:blip r:embed="rId2"/>
           <a:stretch>
             <a:fillRect/>
           </a:stretch>
         </p:blipFill>
         <p:spPr>
           <a:xfrm>
-            <a:off x="517792" y="429984"/>
-            <a:ext cx="9536935" cy="2754832"/>
+            <a:off x="0" y="-82296"/>
+            <a:ext cx="3840806" cy="6858000"/>
           </a:xfrm>
           <a:prstGeom prst="rect">
             <a:avLst/>
           </a:prstGeom>
         </p:spPr>
       </p:pic>
-      <p:sp>
-        <p:nvSpPr>
-          <p:cNvPr id="4" name="文本框 3">
-            <a:extLst>
-              <a:ext uri="{FF2B5EF4-FFF2-40B4-BE49-F238E27FC236}">
-                <a16:creationId xmlns:a16="http://schemas.microsoft.com/office/drawing/2014/main" id="{7EFC3777-59E3-4F5E-87AC-8AD0C64A3C22}"/>
-              </a:ext>
-            </a:extLst>
-          </p:cNvPr>
-          <p:cNvSpPr txBox="1"/>
-          <p:nvPr/>
-        </p:nvSpPr>
-        <p:spPr>
-          <a:xfrm>
-            <a:off x="1476260" y="4109292"/>
-            <a:ext cx="8494633" cy="1754326"/>
-          </a:xfrm>
-          <a:prstGeom prst="rect">
-            <a:avLst/>
-          </a:prstGeom>
-          <a:noFill/>
-        </p:spPr>
-        <p:txBody>
-          <a:bodyPr wrap="none" rtlCol="0">
-            <a:spAutoFit/>
-          </a:bodyPr>
-          <a:lstStyle/>
-          <a:p>
-            <a:r>
-              <a:rPr lang="zh-CN" altLang="en-US" dirty="0"/>
-              <a:t>后台的已打印，未打印，显示不出来，已经打印了，但是还是显示是否打印</a:t>
-            </a:r>
-            <a:endParaRPr lang="en-US" altLang="zh-CN" dirty="0"/>
-          </a:p>
-          <a:p>
-            <a:endParaRPr lang="en-US" altLang="zh-CN" dirty="0"/>
-          </a:p>
-          <a:p>
-            <a:endParaRPr lang="en-US" altLang="zh-CN" dirty="0"/>
-          </a:p>
-          <a:p>
-            <a:r>
-              <a:rPr lang="zh-CN" altLang="en-US" dirty="0"/>
-              <a:t>批量打印的时候，也只只打印了第一张快递面单，需要是这个订单的所有快递面单</a:t>
-            </a:r>
-            <a:endParaRPr lang="en-US" altLang="zh-CN" dirty="0"/>
-          </a:p>
-          <a:p>
-            <a:endParaRPr lang="en-US" altLang="zh-CN" dirty="0"/>
-          </a:p>
-          <a:p>
-            <a:r>
-              <a:rPr lang="zh-CN" altLang="en-US" dirty="0"/>
-              <a:t>打印后订单状需要修改成配货中</a:t>
-            </a:r>
-          </a:p>
-        </p:txBody>
-      </p:sp>
     </p:spTree>
     <p:extLst>
       <p:ext uri="{BB962C8B-B14F-4D97-AF65-F5344CB8AC3E}">
-        <p14:creationId xmlns:p14="http://schemas.microsoft.com/office/powerpoint/2010/main" val="1530338472"/>
+        <p14:creationId xmlns:p14="http://schemas.microsoft.com/office/powerpoint/2010/main" val="1072298311"/>
       </p:ext>
     </p:extLst>
   </p:cSld>
@@ -3776,10 +3777,10 @@
       </p:grpSpPr>
       <p:pic>
         <p:nvPicPr>
-          <p:cNvPr id="3" name="图片 2" descr="电脑萤幕画面&#10;&#10;描述已自动生成">
-            <a:extLst>
-              <a:ext uri="{FF2B5EF4-FFF2-40B4-BE49-F238E27FC236}">
-                <a16:creationId xmlns:a16="http://schemas.microsoft.com/office/drawing/2014/main" id="{8F427350-7069-4F07-9A3D-C38C69B0AF6A}"/>
+          <p:cNvPr id="3" name="图片 2" descr="手机屏幕截图&#10;&#10;描述已自动生成">
+            <a:extLst>
+              <a:ext uri="{FF2B5EF4-FFF2-40B4-BE49-F238E27FC236}">
+                <a16:creationId xmlns:a16="http://schemas.microsoft.com/office/drawing/2014/main" id="{E40B4D94-B4DA-4582-AD0C-D2D3E6EE3268}"/>
               </a:ext>
             </a:extLst>
           </p:cNvPr>
@@ -3802,8 +3803,8 @@
         </p:blipFill>
         <p:spPr>
           <a:xfrm>
-            <a:off x="438912" y="506436"/>
-            <a:ext cx="10591800" cy="2922564"/>
+            <a:off x="0" y="0"/>
+            <a:ext cx="3166584" cy="6858000"/>
           </a:xfrm>
           <a:prstGeom prst="rect">
             <a:avLst/>
@@ -3815,7 +3816,7 @@
           <p:cNvPr id="4" name="文本框 3">
             <a:extLst>
               <a:ext uri="{FF2B5EF4-FFF2-40B4-BE49-F238E27FC236}">
-                <a16:creationId xmlns:a16="http://schemas.microsoft.com/office/drawing/2014/main" id="{34CE3C1F-A8C6-4578-91C7-5913DCF999D6}"/>
+                <a16:creationId xmlns:a16="http://schemas.microsoft.com/office/drawing/2014/main" id="{CD9A517C-6185-430F-A1EF-A7246EAE3BED}"/>
               </a:ext>
             </a:extLst>
           </p:cNvPr>
@@ -3824,8 +3825,8 @@
         </p:nvSpPr>
         <p:spPr>
           <a:xfrm>
-            <a:off x="1819656" y="3913632"/>
-            <a:ext cx="9281708" cy="369332"/>
+            <a:off x="3674533" y="397934"/>
+            <a:ext cx="8481809" cy="4247317"/>
           </a:xfrm>
           <a:prstGeom prst="rect">
             <a:avLst/>
@@ -3840,23 +3841,705 @@
           <a:p>
             <a:r>
               <a:rPr lang="zh-CN" altLang="en-US" dirty="0"/>
-              <a:t>包裹管理导出</a:t>
+              <a:t>优惠券页面，需要新增一个功能。。功能描述：</a:t>
+            </a:r>
+            <a:endParaRPr lang="en-US" altLang="zh-CN" dirty="0"/>
+          </a:p>
+          <a:p>
+            <a:endParaRPr lang="en-US" altLang="zh-CN" dirty="0"/>
+          </a:p>
+          <a:p>
+            <a:r>
+              <a:rPr lang="zh-CN" altLang="en-US" dirty="0"/>
+              <a:t>每个人都有一个自己的优惠券邀请码，可以分享邀请码给朋友</a:t>
+            </a:r>
+            <a:endParaRPr lang="en-US" altLang="zh-CN" dirty="0"/>
+          </a:p>
+          <a:p>
+            <a:endParaRPr lang="en-US" altLang="zh-CN" dirty="0"/>
+          </a:p>
+          <a:p>
+            <a:r>
+              <a:rPr lang="zh-CN" altLang="en-US" dirty="0"/>
+              <a:t>然后朋友用这个邀请码，可以兑换一张优惠券，然后朋友使用了这张优惠券</a:t>
+            </a:r>
+            <a:endParaRPr lang="en-US" altLang="zh-CN" dirty="0"/>
+          </a:p>
+          <a:p>
+            <a:r>
+              <a:rPr lang="zh-CN" altLang="en-US" dirty="0"/>
+              <a:t>那么分享的那个人同样获得一张优惠券。</a:t>
+            </a:r>
+            <a:endParaRPr lang="en-US" altLang="zh-CN" dirty="0"/>
+          </a:p>
+          <a:p>
+            <a:endParaRPr lang="en-US" altLang="zh-CN" dirty="0"/>
+          </a:p>
+          <a:p>
+            <a:r>
+              <a:rPr lang="zh-CN" altLang="en-US" dirty="0"/>
+              <a:t>例如</a:t>
             </a:r>
             <a:r>
               <a:rPr lang="en-US" altLang="zh-CN" dirty="0"/>
-              <a:t>excel </a:t>
-            </a:r>
-            <a:r>
-              <a:rPr lang="zh-CN" altLang="en-US" dirty="0"/>
-              <a:t>的时候并没有导出，这个订单号里面的所有商品，好像是只导出了一个</a:t>
-            </a:r>
+              <a:t>A</a:t>
+            </a:r>
+            <a:r>
+              <a:rPr lang="zh-CN" altLang="en-US" dirty="0"/>
+              <a:t>分享给</a:t>
+            </a:r>
+            <a:r>
+              <a:rPr lang="en-US" altLang="zh-CN" dirty="0"/>
+              <a:t>B</a:t>
+            </a:r>
+            <a:r>
+              <a:rPr lang="zh-CN" altLang="en-US" dirty="0"/>
+              <a:t>，</a:t>
+            </a:r>
+            <a:r>
+              <a:rPr lang="en-US" altLang="zh-CN" dirty="0"/>
+              <a:t>B</a:t>
+            </a:r>
+            <a:r>
+              <a:rPr lang="zh-CN" altLang="en-US" dirty="0"/>
+              <a:t>兑换一个优惠券，此时</a:t>
+            </a:r>
+            <a:r>
+              <a:rPr lang="en-US" altLang="zh-CN" dirty="0"/>
+              <a:t>A</a:t>
+            </a:r>
+            <a:r>
+              <a:rPr lang="zh-CN" altLang="en-US" dirty="0"/>
+              <a:t>没有优惠券，只有当</a:t>
+            </a:r>
+            <a:r>
+              <a:rPr lang="en-US" altLang="zh-CN" dirty="0"/>
+              <a:t>B</a:t>
+            </a:r>
+            <a:r>
+              <a:rPr lang="zh-CN" altLang="en-US" dirty="0"/>
+              <a:t>使用了这张优惠券</a:t>
+            </a:r>
+            <a:endParaRPr lang="en-US" altLang="zh-CN" dirty="0"/>
+          </a:p>
+          <a:p>
+            <a:r>
+              <a:rPr lang="zh-CN" altLang="en-US" dirty="0"/>
+              <a:t>然后</a:t>
+            </a:r>
+            <a:r>
+              <a:rPr lang="en-US" altLang="zh-CN" dirty="0"/>
+              <a:t>A</a:t>
+            </a:r>
+            <a:r>
+              <a:rPr lang="zh-CN" altLang="en-US" dirty="0"/>
+              <a:t>才会自动获得一张优惠券。</a:t>
+            </a:r>
+            <a:endParaRPr lang="en-US" altLang="zh-CN" dirty="0"/>
+          </a:p>
+          <a:p>
+            <a:endParaRPr lang="en-US" altLang="zh-CN" dirty="0"/>
+          </a:p>
+          <a:p>
+            <a:r>
+              <a:rPr lang="zh-CN" altLang="en-US" dirty="0"/>
+              <a:t>分享出去兑换的优惠券和</a:t>
+            </a:r>
+            <a:r>
+              <a:rPr lang="en-US" altLang="zh-CN" dirty="0"/>
+              <a:t>A</a:t>
+            </a:r>
+            <a:r>
+              <a:rPr lang="zh-CN" altLang="en-US" dirty="0"/>
+              <a:t>自动获取的优惠券，需要能后台设置不同金额，满多少</a:t>
+            </a:r>
+            <a:endParaRPr lang="en-US" altLang="zh-CN" dirty="0"/>
+          </a:p>
+          <a:p>
+            <a:r>
+              <a:rPr lang="zh-CN" altLang="en-US" dirty="0"/>
+              <a:t>减多少的那种。</a:t>
+            </a:r>
+            <a:endParaRPr lang="en-US" altLang="zh-CN" dirty="0"/>
+          </a:p>
+          <a:p>
+            <a:endParaRPr lang="en-US" altLang="zh-CN" dirty="0"/>
+          </a:p>
+          <a:p>
+            <a:endParaRPr lang="en-US" altLang="zh-CN" dirty="0"/>
+          </a:p>
+          <a:p>
+            <a:r>
+              <a:rPr lang="zh-CN" altLang="en-US" dirty="0"/>
+              <a:t>每个人的邀请码是一串数字，分享出去大概右侧样子，后台需要能改</a:t>
+            </a:r>
+            <a:endParaRPr lang="en-US" altLang="zh-CN" dirty="0"/>
+          </a:p>
+        </p:txBody>
+      </p:sp>
+      <p:pic>
+        <p:nvPicPr>
+          <p:cNvPr id="8" name="图片 7" descr="手机屏幕的截图&#10;&#10;描述已自动生成">
+            <a:extLst>
+              <a:ext uri="{FF2B5EF4-FFF2-40B4-BE49-F238E27FC236}">
+                <a16:creationId xmlns:a16="http://schemas.microsoft.com/office/drawing/2014/main" id="{954ED42A-5898-40A5-878F-FA265B919387}"/>
+              </a:ext>
+            </a:extLst>
+          </p:cNvPr>
+          <p:cNvPicPr>
+            <a:picLocks noChangeAspect="1"/>
+          </p:cNvPicPr>
+          <p:nvPr/>
+        </p:nvPicPr>
+        <p:blipFill>
+          <a:blip r:embed="rId3">
+            <a:extLst>
+              <a:ext uri="{28A0092B-C50C-407E-A947-70E740481C1C}">
+                <a14:useLocalDpi xmlns:a14="http://schemas.microsoft.com/office/drawing/2010/main" val="0"/>
+              </a:ext>
+            </a:extLst>
+          </a:blip>
+          <a:stretch>
+            <a:fillRect/>
+          </a:stretch>
+        </p:blipFill>
+        <p:spPr>
+          <a:xfrm>
+            <a:off x="3464217" y="4764015"/>
+            <a:ext cx="3400900" cy="1038370"/>
+          </a:xfrm>
+          <a:prstGeom prst="rect">
+            <a:avLst/>
+          </a:prstGeom>
+        </p:spPr>
+      </p:pic>
+      <p:sp>
+        <p:nvSpPr>
+          <p:cNvPr id="9" name="文本框 8">
+            <a:extLst>
+              <a:ext uri="{FF2B5EF4-FFF2-40B4-BE49-F238E27FC236}">
+                <a16:creationId xmlns:a16="http://schemas.microsoft.com/office/drawing/2014/main" id="{7D2CECCE-98DC-4B9B-A93E-96C18F5F66DF}"/>
+              </a:ext>
+            </a:extLst>
+          </p:cNvPr>
+          <p:cNvSpPr txBox="1"/>
+          <p:nvPr/>
+        </p:nvSpPr>
+        <p:spPr>
+          <a:xfrm>
+            <a:off x="7442200" y="4764015"/>
+            <a:ext cx="4378122" cy="923330"/>
+          </a:xfrm>
+          <a:prstGeom prst="rect">
+            <a:avLst/>
+          </a:prstGeom>
+          <a:noFill/>
+        </p:spPr>
+        <p:txBody>
+          <a:bodyPr wrap="none" rtlCol="0">
+            <a:spAutoFit/>
+          </a:bodyPr>
+          <a:lstStyle/>
+          <a:p>
+            <a:r>
+              <a:rPr lang="zh-CN" altLang="en-US" dirty="0"/>
+              <a:t>邀请您使用玛丽亚商城购物，尽享澳洲</a:t>
+            </a:r>
+            <a:endParaRPr lang="en-US" altLang="zh-CN" dirty="0"/>
+          </a:p>
+          <a:p>
+            <a:r>
+              <a:rPr lang="zh-CN" altLang="en-US" dirty="0"/>
+              <a:t>优选商品，请使用邀请码：</a:t>
+            </a:r>
+            <a:r>
+              <a:rPr lang="en-US" altLang="zh-CN" dirty="0"/>
+              <a:t>465655</a:t>
+            </a:r>
+            <a:r>
+              <a:rPr lang="zh-CN" altLang="en-US" dirty="0"/>
+              <a:t>，兑换</a:t>
+            </a:r>
+            <a:endParaRPr lang="en-US" altLang="zh-CN" dirty="0"/>
+          </a:p>
+          <a:p>
+            <a:r>
+              <a:rPr lang="en-US" altLang="zh-CN" dirty="0"/>
+              <a:t>10</a:t>
+            </a:r>
+            <a:r>
+              <a:rPr lang="zh-CN" altLang="en-US" dirty="0"/>
+              <a:t>元优惠券。请访问</a:t>
+            </a:r>
+            <a:r>
+              <a:rPr lang="en-US" altLang="zh-CN" dirty="0">
+                <a:hlinkClick r:id="rId4"/>
+              </a:rPr>
+              <a:t>www.aumaria.com</a:t>
+            </a:r>
+            <a:r>
+              <a:rPr lang="en-US" altLang="zh-CN" dirty="0"/>
+              <a:t> </a:t>
+            </a:r>
+            <a:endParaRPr lang="zh-CN" altLang="en-US" dirty="0"/>
           </a:p>
         </p:txBody>
       </p:sp>
     </p:spTree>
     <p:extLst>
       <p:ext uri="{BB962C8B-B14F-4D97-AF65-F5344CB8AC3E}">
-        <p14:creationId xmlns:p14="http://schemas.microsoft.com/office/powerpoint/2010/main" val="2502506655"/>
+        <p14:creationId xmlns:p14="http://schemas.microsoft.com/office/powerpoint/2010/main" val="4256537740"/>
+      </p:ext>
+    </p:extLst>
+  </p:cSld>
+  <p:clrMapOvr>
+    <a:masterClrMapping/>
+  </p:clrMapOvr>
+</p:sld>
+</file>
+
+<file path=ppt/slides/slide5.xml><?xml version="1.0" encoding="utf-8"?>
+<p:sld xmlns:a="http://schemas.openxmlformats.org/drawingml/2006/main" xmlns:r="http://schemas.openxmlformats.org/officeDocument/2006/relationships" xmlns:p="http://schemas.openxmlformats.org/presentationml/2006/main">
+  <p:cSld>
+    <p:spTree>
+      <p:nvGrpSpPr>
+        <p:cNvPr id="1" name=""/>
+        <p:cNvGrpSpPr/>
+        <p:nvPr/>
+      </p:nvGrpSpPr>
+      <p:grpSpPr>
+        <a:xfrm>
+          <a:off x="0" y="0"/>
+          <a:ext cx="0" cy="0"/>
+          <a:chOff x="0" y="0"/>
+          <a:chExt cx="0" cy="0"/>
+        </a:xfrm>
+      </p:grpSpPr>
+      <p:pic>
+        <p:nvPicPr>
+          <p:cNvPr id="2" name="图片 1" descr="手机屏幕截图&#10;&#10;描述已自动生成">
+            <a:extLst>
+              <a:ext uri="{FF2B5EF4-FFF2-40B4-BE49-F238E27FC236}">
+                <a16:creationId xmlns:a16="http://schemas.microsoft.com/office/drawing/2014/main" id="{BFD13BF8-4F6B-4142-8E64-99B22006FD3B}"/>
+              </a:ext>
+            </a:extLst>
+          </p:cNvPr>
+          <p:cNvPicPr>
+            <a:picLocks noChangeAspect="1"/>
+          </p:cNvPicPr>
+          <p:nvPr/>
+        </p:nvPicPr>
+        <p:blipFill>
+          <a:blip r:embed="rId2">
+            <a:extLst>
+              <a:ext uri="{28A0092B-C50C-407E-A947-70E740481C1C}">
+                <a14:useLocalDpi xmlns:a14="http://schemas.microsoft.com/office/drawing/2010/main" val="0"/>
+              </a:ext>
+            </a:extLst>
+          </a:blip>
+          <a:stretch>
+            <a:fillRect/>
+          </a:stretch>
+        </p:blipFill>
+        <p:spPr>
+          <a:xfrm>
+            <a:off x="0" y="0"/>
+            <a:ext cx="3166584" cy="6858000"/>
+          </a:xfrm>
+          <a:prstGeom prst="rect">
+            <a:avLst/>
+          </a:prstGeom>
+        </p:spPr>
+      </p:pic>
+      <p:pic>
+        <p:nvPicPr>
+          <p:cNvPr id="4" name="图片 3" descr="白色的游戏机&#10;&#10;描述已自动生成">
+            <a:extLst>
+              <a:ext uri="{FF2B5EF4-FFF2-40B4-BE49-F238E27FC236}">
+                <a16:creationId xmlns:a16="http://schemas.microsoft.com/office/drawing/2014/main" id="{A8A1136C-2C39-4A4D-A124-D832E5A72E8B}"/>
+              </a:ext>
+            </a:extLst>
+          </p:cNvPr>
+          <p:cNvPicPr>
+            <a:picLocks noChangeAspect="1"/>
+          </p:cNvPicPr>
+          <p:nvPr/>
+        </p:nvPicPr>
+        <p:blipFill rotWithShape="1">
+          <a:blip r:embed="rId3">
+            <a:extLst>
+              <a:ext uri="{28A0092B-C50C-407E-A947-70E740481C1C}">
+                <a14:useLocalDpi xmlns:a14="http://schemas.microsoft.com/office/drawing/2010/main" val="0"/>
+              </a:ext>
+            </a:extLst>
+          </a:blip>
+          <a:srcRect l="16255" t="9630" r="32552" b="22592"/>
+          <a:stretch/>
+        </p:blipFill>
+        <p:spPr>
+          <a:xfrm>
+            <a:off x="3166584" y="93133"/>
+            <a:ext cx="2074283" cy="3661675"/>
+          </a:xfrm>
+          <a:prstGeom prst="rect">
+            <a:avLst/>
+          </a:prstGeom>
+        </p:spPr>
+      </p:pic>
+      <p:pic>
+        <p:nvPicPr>
+          <p:cNvPr id="6" name="图片 5" descr="手机屏幕的截图&#10;&#10;描述已自动生成">
+            <a:extLst>
+              <a:ext uri="{FF2B5EF4-FFF2-40B4-BE49-F238E27FC236}">
+                <a16:creationId xmlns:a16="http://schemas.microsoft.com/office/drawing/2014/main" id="{0807DD8A-C1C8-4083-8256-263DF1BABFD9}"/>
+              </a:ext>
+            </a:extLst>
+          </p:cNvPr>
+          <p:cNvPicPr>
+            <a:picLocks noChangeAspect="1"/>
+          </p:cNvPicPr>
+          <p:nvPr/>
+        </p:nvPicPr>
+        <p:blipFill rotWithShape="1">
+          <a:blip r:embed="rId4">
+            <a:extLst>
+              <a:ext uri="{28A0092B-C50C-407E-A947-70E740481C1C}">
+                <a14:useLocalDpi xmlns:a14="http://schemas.microsoft.com/office/drawing/2010/main" val="0"/>
+              </a:ext>
+            </a:extLst>
+          </a:blip>
+          <a:srcRect l="16072" t="5803" r="11439"/>
+          <a:stretch/>
+        </p:blipFill>
+        <p:spPr>
+          <a:xfrm>
+            <a:off x="5240867" y="0"/>
+            <a:ext cx="2235149" cy="3858412"/>
+          </a:xfrm>
+          <a:prstGeom prst="rect">
+            <a:avLst/>
+          </a:prstGeom>
+        </p:spPr>
+      </p:pic>
+      <p:sp>
+        <p:nvSpPr>
+          <p:cNvPr id="10" name="文本框 9">
+            <a:extLst>
+              <a:ext uri="{FF2B5EF4-FFF2-40B4-BE49-F238E27FC236}">
+                <a16:creationId xmlns:a16="http://schemas.microsoft.com/office/drawing/2014/main" id="{6AFFD6D2-A31D-4AC1-AC33-9CCE773BD745}"/>
+              </a:ext>
+            </a:extLst>
+          </p:cNvPr>
+          <p:cNvSpPr txBox="1"/>
+          <p:nvPr/>
+        </p:nvSpPr>
+        <p:spPr>
+          <a:xfrm>
+            <a:off x="3166584" y="4199466"/>
+            <a:ext cx="5262979" cy="923330"/>
+          </a:xfrm>
+          <a:prstGeom prst="rect">
+            <a:avLst/>
+          </a:prstGeom>
+          <a:noFill/>
+        </p:spPr>
+        <p:txBody>
+          <a:bodyPr wrap="none" rtlCol="0">
+            <a:spAutoFit/>
+          </a:bodyPr>
+          <a:lstStyle/>
+          <a:p>
+            <a:r>
+              <a:rPr lang="zh-CN" altLang="en-US" dirty="0"/>
+              <a:t>需要展示，我的邀请码。然后还要有分享图标，。</a:t>
+            </a:r>
+            <a:endParaRPr lang="en-US" altLang="zh-CN" dirty="0"/>
+          </a:p>
+          <a:p>
+            <a:endParaRPr lang="en-US" altLang="zh-CN" dirty="0"/>
+          </a:p>
+          <a:p>
+            <a:r>
+              <a:rPr lang="zh-CN" altLang="en-US" dirty="0"/>
+              <a:t>然后还要有个说明的页面</a:t>
+            </a:r>
+          </a:p>
+        </p:txBody>
+      </p:sp>
+    </p:spTree>
+    <p:extLst>
+      <p:ext uri="{BB962C8B-B14F-4D97-AF65-F5344CB8AC3E}">
+        <p14:creationId xmlns:p14="http://schemas.microsoft.com/office/powerpoint/2010/main" val="1606316308"/>
+      </p:ext>
+    </p:extLst>
+  </p:cSld>
+  <p:clrMapOvr>
+    <a:masterClrMapping/>
+  </p:clrMapOvr>
+</p:sld>
+</file>
+
+<file path=ppt/slides/slide6.xml><?xml version="1.0" encoding="utf-8"?>
+<p:sld xmlns:a="http://schemas.openxmlformats.org/drawingml/2006/main" xmlns:r="http://schemas.openxmlformats.org/officeDocument/2006/relationships" xmlns:p="http://schemas.openxmlformats.org/presentationml/2006/main">
+  <p:cSld>
+    <p:spTree>
+      <p:nvGrpSpPr>
+        <p:cNvPr id="1" name=""/>
+        <p:cNvGrpSpPr/>
+        <p:nvPr/>
+      </p:nvGrpSpPr>
+      <p:grpSpPr>
+        <a:xfrm>
+          <a:off x="0" y="0"/>
+          <a:ext cx="0" cy="0"/>
+          <a:chOff x="0" y="0"/>
+          <a:chExt cx="0" cy="0"/>
+        </a:xfrm>
+      </p:grpSpPr>
+      <p:pic>
+        <p:nvPicPr>
+          <p:cNvPr id="3" name="图片 2" descr="手机屏幕截图&#10;&#10;描述已自动生成">
+            <a:extLst>
+              <a:ext uri="{FF2B5EF4-FFF2-40B4-BE49-F238E27FC236}">
+                <a16:creationId xmlns:a16="http://schemas.microsoft.com/office/drawing/2014/main" id="{87B2EB07-E99C-4EDD-AB04-DF1BBF80F08D}"/>
+              </a:ext>
+            </a:extLst>
+          </p:cNvPr>
+          <p:cNvPicPr>
+            <a:picLocks noChangeAspect="1"/>
+          </p:cNvPicPr>
+          <p:nvPr/>
+        </p:nvPicPr>
+        <p:blipFill>
+          <a:blip r:embed="rId2">
+            <a:extLst>
+              <a:ext uri="{28A0092B-C50C-407E-A947-70E740481C1C}">
+                <a14:useLocalDpi xmlns:a14="http://schemas.microsoft.com/office/drawing/2010/main" val="0"/>
+              </a:ext>
+            </a:extLst>
+          </a:blip>
+          <a:stretch>
+            <a:fillRect/>
+          </a:stretch>
+        </p:blipFill>
+        <p:spPr>
+          <a:xfrm>
+            <a:off x="-68436" y="0"/>
+            <a:ext cx="3166584" cy="6858000"/>
+          </a:xfrm>
+          <a:prstGeom prst="rect">
+            <a:avLst/>
+          </a:prstGeom>
+        </p:spPr>
+      </p:pic>
+      <p:pic>
+        <p:nvPicPr>
+          <p:cNvPr id="5" name="图片 4" descr="手机屏幕截图&#10;&#10;描述已自动生成">
+            <a:extLst>
+              <a:ext uri="{FF2B5EF4-FFF2-40B4-BE49-F238E27FC236}">
+                <a16:creationId xmlns:a16="http://schemas.microsoft.com/office/drawing/2014/main" id="{987D7EB7-3D28-4309-9A1A-0B551EC154C6}"/>
+              </a:ext>
+            </a:extLst>
+          </p:cNvPr>
+          <p:cNvPicPr>
+            <a:picLocks noChangeAspect="1"/>
+          </p:cNvPicPr>
+          <p:nvPr/>
+        </p:nvPicPr>
+        <p:blipFill>
+          <a:blip r:embed="rId3">
+            <a:extLst>
+              <a:ext uri="{28A0092B-C50C-407E-A947-70E740481C1C}">
+                <a14:useLocalDpi xmlns:a14="http://schemas.microsoft.com/office/drawing/2010/main" val="0"/>
+              </a:ext>
+            </a:extLst>
+          </a:blip>
+          <a:stretch>
+            <a:fillRect/>
+          </a:stretch>
+        </p:blipFill>
+        <p:spPr>
+          <a:xfrm>
+            <a:off x="8142876" y="0"/>
+            <a:ext cx="3166584" cy="6858000"/>
+          </a:xfrm>
+          <a:prstGeom prst="rect">
+            <a:avLst/>
+          </a:prstGeom>
+        </p:spPr>
+      </p:pic>
+      <p:sp>
+        <p:nvSpPr>
+          <p:cNvPr id="7" name="文本框 6">
+            <a:extLst>
+              <a:ext uri="{FF2B5EF4-FFF2-40B4-BE49-F238E27FC236}">
+                <a16:creationId xmlns:a16="http://schemas.microsoft.com/office/drawing/2014/main" id="{98115DD7-2D8F-4D2D-A3CC-C0462BA8A9EE}"/>
+              </a:ext>
+            </a:extLst>
+          </p:cNvPr>
+          <p:cNvSpPr txBox="1"/>
+          <p:nvPr/>
+        </p:nvSpPr>
+        <p:spPr>
+          <a:xfrm>
+            <a:off x="3379711" y="1170432"/>
+            <a:ext cx="3877985" cy="2031325"/>
+          </a:xfrm>
+          <a:prstGeom prst="rect">
+            <a:avLst/>
+          </a:prstGeom>
+          <a:noFill/>
+        </p:spPr>
+        <p:txBody>
+          <a:bodyPr wrap="none" rtlCol="0">
+            <a:spAutoFit/>
+          </a:bodyPr>
+          <a:lstStyle/>
+          <a:p>
+            <a:r>
+              <a:rPr lang="zh-CN" altLang="en-US" dirty="0"/>
+              <a:t>寄件人拿掉</a:t>
+            </a:r>
+            <a:endParaRPr lang="en-US" altLang="zh-CN" dirty="0"/>
+          </a:p>
+          <a:p>
+            <a:endParaRPr lang="en-US" altLang="zh-CN" dirty="0"/>
+          </a:p>
+          <a:p>
+            <a:r>
+              <a:rPr lang="zh-CN" altLang="en-US" dirty="0"/>
+              <a:t>价格优先，数量优先拿掉</a:t>
+            </a:r>
+            <a:endParaRPr lang="en-US" altLang="zh-CN" dirty="0"/>
+          </a:p>
+          <a:p>
+            <a:endParaRPr lang="en-US" altLang="zh-CN" dirty="0"/>
+          </a:p>
+          <a:p>
+            <a:r>
+              <a:rPr lang="zh-CN" altLang="en-US" dirty="0"/>
+              <a:t>返利金拿掉，</a:t>
+            </a:r>
+            <a:endParaRPr lang="en-US" altLang="zh-CN" dirty="0"/>
+          </a:p>
+          <a:p>
+            <a:endParaRPr lang="en-US" altLang="zh-CN" dirty="0"/>
+          </a:p>
+          <a:p>
+            <a:r>
+              <a:rPr lang="zh-CN" altLang="en-US" dirty="0"/>
+              <a:t>然后这个页面会加一个商品税的选项</a:t>
+            </a:r>
+          </a:p>
+        </p:txBody>
+      </p:sp>
+    </p:spTree>
+    <p:extLst>
+      <p:ext uri="{BB962C8B-B14F-4D97-AF65-F5344CB8AC3E}">
+        <p14:creationId xmlns:p14="http://schemas.microsoft.com/office/powerpoint/2010/main" val="2544001976"/>
+      </p:ext>
+    </p:extLst>
+  </p:cSld>
+  <p:clrMapOvr>
+    <a:masterClrMapping/>
+  </p:clrMapOvr>
+</p:sld>
+</file>
+
+<file path=ppt/slides/slide7.xml><?xml version="1.0" encoding="utf-8"?>
+<p:sld xmlns:a="http://schemas.openxmlformats.org/drawingml/2006/main" xmlns:r="http://schemas.openxmlformats.org/officeDocument/2006/relationships" xmlns:p="http://schemas.openxmlformats.org/presentationml/2006/main">
+  <p:cSld>
+    <p:spTree>
+      <p:nvGrpSpPr>
+        <p:cNvPr id="1" name=""/>
+        <p:cNvGrpSpPr/>
+        <p:nvPr/>
+      </p:nvGrpSpPr>
+      <p:grpSpPr>
+        <a:xfrm>
+          <a:off x="0" y="0"/>
+          <a:ext cx="0" cy="0"/>
+          <a:chOff x="0" y="0"/>
+          <a:chExt cx="0" cy="0"/>
+        </a:xfrm>
+      </p:grpSpPr>
+      <p:sp>
+        <p:nvSpPr>
+          <p:cNvPr id="2" name="文本框 1">
+            <a:extLst>
+              <a:ext uri="{FF2B5EF4-FFF2-40B4-BE49-F238E27FC236}">
+                <a16:creationId xmlns:a16="http://schemas.microsoft.com/office/drawing/2014/main" id="{54A4B963-04A1-4BA9-9CED-E0EBACA17009}"/>
+              </a:ext>
+            </a:extLst>
+          </p:cNvPr>
+          <p:cNvSpPr txBox="1"/>
+          <p:nvPr/>
+        </p:nvSpPr>
+        <p:spPr>
+          <a:xfrm>
+            <a:off x="704088" y="795528"/>
+            <a:ext cx="6186309" cy="2031325"/>
+          </a:xfrm>
+          <a:prstGeom prst="rect">
+            <a:avLst/>
+          </a:prstGeom>
+          <a:noFill/>
+        </p:spPr>
+        <p:txBody>
+          <a:bodyPr wrap="none" rtlCol="0">
+            <a:spAutoFit/>
+          </a:bodyPr>
+          <a:lstStyle/>
+          <a:p>
+            <a:r>
+              <a:rPr lang="zh-CN" altLang="en-US" dirty="0"/>
+              <a:t>后台物流方面</a:t>
+            </a:r>
+            <a:endParaRPr lang="en-US" altLang="zh-CN" dirty="0"/>
+          </a:p>
+          <a:p>
+            <a:endParaRPr lang="en-US" altLang="zh-CN" dirty="0"/>
+          </a:p>
+          <a:p>
+            <a:r>
+              <a:rPr lang="zh-CN" altLang="en-US" dirty="0"/>
+              <a:t>中邮澳邮全部拿掉</a:t>
+            </a:r>
+            <a:endParaRPr lang="en-US" altLang="zh-CN" dirty="0"/>
+          </a:p>
+          <a:p>
+            <a:endParaRPr lang="en-US" altLang="zh-CN" dirty="0"/>
+          </a:p>
+          <a:p>
+            <a:r>
+              <a:rPr lang="zh-CN" altLang="en-US" dirty="0"/>
+              <a:t>包裹价值不超过 </a:t>
+            </a:r>
+            <a:r>
+              <a:rPr lang="en-US" altLang="zh-CN" dirty="0"/>
+              <a:t>5000RMB</a:t>
+            </a:r>
+            <a:r>
+              <a:rPr lang="zh-CN" altLang="en-US" dirty="0"/>
+              <a:t>即可，没有打包规则</a:t>
+            </a:r>
+            <a:endParaRPr lang="en-US" altLang="zh-CN" dirty="0"/>
+          </a:p>
+          <a:p>
+            <a:endParaRPr lang="en-US" altLang="zh-CN" dirty="0"/>
+          </a:p>
+          <a:p>
+            <a:r>
+              <a:rPr lang="zh-CN" altLang="en-US" dirty="0"/>
+              <a:t>用的是另外一个快递，需要对接，也会生成单号和快递面单</a:t>
+            </a:r>
+          </a:p>
+        </p:txBody>
+      </p:sp>
+    </p:spTree>
+    <p:extLst>
+      <p:ext uri="{BB962C8B-B14F-4D97-AF65-F5344CB8AC3E}">
+        <p14:creationId xmlns:p14="http://schemas.microsoft.com/office/powerpoint/2010/main" val="115527211"/>
       </p:ext>
     </p:extLst>
   </p:cSld>
